--- a/연료전지/연료전지_발표자료.pptx
+++ b/연료전지/연료전지_발표자료.pptx
@@ -27,6 +27,9 @@
     <p:sldId id="275" r:id="rId26"/>
     <p:sldId id="276" r:id="rId27"/>
     <p:sldId id="277" r:id="rId28"/>
+    <p:sldId id="278" r:id="rId29"/>
+    <p:sldId id="279" r:id="rId30"/>
+    <p:sldId id="280" r:id="rId31"/>
   </p:sldIdLst>
   <p:sldSz cx="12191695" cy="6858000" type="screen4x3"/>
   <p:notesSz cx="6858000" cy="9144000"/>
@@ -3528,7 +3531,7 @@
                 </a:solidFill>
                 <a:latin typeface="맑은 고딕"/>
               </a:rPr>
-              <a:t>10 / 22</a:t>
+              <a:t>10 / 25</a:t>
             </a:r>
           </a:p>
         </p:txBody>
@@ -4328,7 +4331,7 @@
                 </a:solidFill>
                 <a:latin typeface="맑은 고딕"/>
               </a:rPr>
-              <a:t>11 / 22</a:t>
+              <a:t>11 / 25</a:t>
             </a:r>
           </a:p>
         </p:txBody>
@@ -5155,7 +5158,7 @@
                 </a:solidFill>
                 <a:latin typeface="맑은 고딕"/>
               </a:rPr>
-              <a:t>12 / 22</a:t>
+              <a:t>12 / 25</a:t>
             </a:r>
           </a:p>
         </p:txBody>
@@ -5579,7 +5582,7 @@
                 </a:solidFill>
                 <a:latin typeface="맑은 고딕"/>
               </a:rPr>
-              <a:t>13 / 22</a:t>
+              <a:t>13 / 25</a:t>
             </a:r>
           </a:p>
         </p:txBody>
@@ -6403,7 +6406,7 @@
                 </a:solidFill>
                 <a:latin typeface="맑은 고딕"/>
               </a:rPr>
-              <a:t>14 / 22</a:t>
+              <a:t>14 / 25</a:t>
             </a:r>
           </a:p>
         </p:txBody>
@@ -6457,7 +6460,7 @@
               </a:rPr>
               <a:t>발전용 연료전지
 1,036MW
-세계 1위</a:t>
+세계 최초 1GW 돌파</a:t>
             </a:r>
           </a:p>
         </p:txBody>
@@ -6563,9 +6566,9 @@
                 </a:solidFill>
                 <a:latin typeface="맑은 고딕"/>
               </a:rPr>
-              <a:t>국내 시장 전망
-2030년
-2.5조 원</a:t>
+              <a:t>5대 그룹 투자
+43.4조 원
+밸류체인 전 단계</a:t>
             </a:r>
           </a:p>
         </p:txBody>
@@ -6963,7 +6966,7 @@
                 </a:solidFill>
                 <a:latin typeface="맑은 고딕"/>
               </a:rPr>
-              <a:t>15 / 22</a:t>
+              <a:t>15 / 25</a:t>
             </a:r>
           </a:p>
         </p:txBody>
@@ -7335,7 +7338,7 @@
                           </a:solidFill>
                           <a:latin typeface="맑은 고딕"/>
                         </a:rPr>
-                        <a:t>세계 최초 청정수소발전 입찰시장 개설</a:t>
+                        <a:t>세계 최초 청정수소발전 입찰시장 개설 (낙찰률 11.5%)</a:t>
                       </a:r>
                     </a:p>
                   </a:txBody>
@@ -7406,7 +7409,7 @@
                           </a:solidFill>
                           <a:latin typeface="맑은 고딕"/>
                         </a:rPr>
-                        <a:t>RPS에서 수소 연료전지 분리, 별도 의무 시장</a:t>
+                        <a:t>RPS에서 분리, 별도 의무시장 | 2025년 입찰 전격 취소</a:t>
                       </a:r>
                     </a:p>
                   </a:txBody>
@@ -7712,7 +7715,7 @@
                 </a:solidFill>
                 <a:latin typeface="맑은 고딕"/>
               </a:rPr>
-              <a:t>16 / 22</a:t>
+              <a:t>16 / 25</a:t>
             </a:r>
           </a:p>
         </p:txBody>
@@ -7871,8 +7874,8 @@
                           </a:solidFill>
                           <a:latin typeface="맑은 고딕"/>
                         </a:rPr>
-                        <a:t>글로벌 수소차 1위 (42.9%)
-2030년 70만기 판매 목표</a:t>
+                        <a:t>넥쏘 2세대 110kW 스택
+2030년 70만기, 3세대 200kW(2027)</a:t>
                       </a:r>
                     </a:p>
                   </a:txBody>
@@ -7920,7 +7923,7 @@
                           </a:solidFill>
                           <a:latin typeface="맑은 고딕"/>
                         </a:rPr>
-                        <a:t>PAFC + SOFC 발전용 연료전지</a:t>
+                        <a:t>PAFC M400(440kW) + SOFC</a:t>
                       </a:r>
                     </a:p>
                   </a:txBody>
@@ -7943,8 +7946,8 @@
                           </a:solidFill>
                           <a:latin typeface="맑은 고딕"/>
                         </a:rPr>
-                        <a:t>SOFC 양산 개시 (군산 50MW)
-2026 매출 6,530억원</a:t>
+                        <a:t>SOFC 양산(군산 50MW, 620°C)
+PAFC 국산화율 98%</a:t>
                       </a:r>
                     </a:p>
                   </a:txBody>
@@ -8015,8 +8018,8 @@
                           </a:solidFill>
                           <a:latin typeface="맑은 고딕"/>
                         </a:rPr>
-                        <a:t>구미 공장 준공
-데이터센터 330kW 설치</a:t>
+                        <a:t>구미 공장 준공, 효율 65%
+DC 330kW 설치(국내 최초)</a:t>
                       </a:r>
                     </a:p>
                   </a:txBody>
@@ -8041,7 +8044,7 @@
                           </a:solidFill>
                           <a:latin typeface="맑은 고딕"/>
                         </a:rPr>
-                        <a:t>SK E&amp;S</a:t>
+                        <a:t>SK그룹</a:t>
                       </a:r>
                     </a:p>
                   </a:txBody>
@@ -8087,8 +8090,8 @@
                           </a:solidFill>
                           <a:latin typeface="맑은 고딕"/>
                         </a:rPr>
-                        <a:t>액화수소충전소 17개소 운영
-2026년 30개소+ 목표</a:t>
+                        <a:t>인천 3만톤 액화수소(7,000억원)
+충전소 17개→30개+(2026)</a:t>
                       </a:r>
                     </a:p>
                   </a:txBody>
@@ -8159,8 +8162,8 @@
                           </a:solidFill>
                           <a:latin typeface="맑은 고딕"/>
                         </a:rPr>
-                        <a:t>린데 합작 세계최대 액화수소 플랜트
-탄소섬유 1조원 투자</a:t>
+                        <a:t>린데 세계최대 액화수소 1.3만톤
+탄소섬유 1조원(2만4천톤)</a:t>
                       </a:r>
                     </a:p>
                   </a:txBody>
@@ -8232,7 +8235,7 @@
                           <a:latin typeface="맑은 고딕"/>
                         </a:rPr>
                         <a:t>평창 연 290톤 그린수소
-2.8조원 투자 계획</a:t>
+2.8조원 투자(태양광+수전해)</a:t>
                       </a:r>
                     </a:p>
                   </a:txBody>
@@ -8280,7 +8283,7 @@
                           </a:solidFill>
                           <a:latin typeface="맑은 고딕"/>
                         </a:rPr>
-                        <a:t>PEMFC (선박, 잠수함, 충전소)</a:t>
+                        <a:t>PEMFC (잠수함AIP, 선박, 충전소)</a:t>
                       </a:r>
                     </a:p>
                   </a:txBody>
@@ -8303,8 +8306,8 @@
                           </a:solidFill>
                           <a:latin typeface="맑은 고딕"/>
                         </a:rPr>
-                        <a:t>군수 방산 기술 보유
-충전소 매출 +207%</a:t>
+                        <a:t>장보고III 100% 국산화 납품
+2025년 흑자 전환 전망</a:t>
                       </a:r>
                     </a:p>
                   </a:txBody>
@@ -8539,7 +8542,7 @@
                 </a:solidFill>
                 <a:latin typeface="맑은 고딕"/>
               </a:rPr>
-              <a:t>17 / 22</a:t>
+              <a:t>17 / 25</a:t>
             </a:r>
           </a:p>
         </p:txBody>
@@ -9505,7 +9508,7 @@
                 </a:solidFill>
                 <a:latin typeface="맑은 고딕"/>
               </a:rPr>
-              <a:t>18 / 22</a:t>
+              <a:t>18 / 25</a:t>
             </a:r>
           </a:p>
         </p:txBody>
@@ -10294,7 +10297,7 @@
                 </a:solidFill>
                 <a:latin typeface="맑은 고딕"/>
               </a:rPr>
-              <a:t>19 / 22</a:t>
+              <a:t>19 / 25</a:t>
             </a:r>
           </a:p>
         </p:txBody>
@@ -10401,7 +10404,7 @@
                 </a:solidFill>
                 <a:latin typeface="맑은 고딕"/>
               </a:rPr>
-              <a:t>  현대 넥쏘 수소차 판매 세계 1위 (42.9%)</a:t>
+              <a:t>  넥쏘 수소차 세계 1위 (42.9%), 4만대+</a:t>
             </a:r>
           </a:p>
           <a:p>
@@ -10417,7 +10420,7 @@
                 </a:solidFill>
                 <a:latin typeface="맑은 고딕"/>
               </a:rPr>
-              <a:t>  세계 최초 수소법 제정 (2020)</a:t>
+              <a:t>  세계 최초 수소법 + 청정수소 입찰시장</a:t>
             </a:r>
           </a:p>
           <a:p>
@@ -10433,7 +10436,7 @@
                 </a:solidFill>
                 <a:latin typeface="맑은 고딕"/>
               </a:rPr>
-              <a:t>  세계 최초 청정수소발전 입찰시장 (2024)</a:t>
+              <a:t>  5대 그룹 43.4조원 대규모 투자</a:t>
             </a:r>
           </a:p>
           <a:p>
@@ -10449,23 +10452,7 @@
                 </a:solidFill>
                 <a:latin typeface="맑은 고딕"/>
               </a:rPr>
-              <a:t>  대기업 대규모 투자 (현대·SK·한화·효성·두산)</a:t>
-            </a:r>
-          </a:p>
-          <a:p>
-            <a:pPr algn="l">
-              <a:spcAft>
-                <a:spcPts val="400"/>
-              </a:spcAft>
-            </a:pPr>
-            <a:r>
-              <a:rPr sz="1400" b="0">
-                <a:solidFill>
-                  <a:srgbClr val="333333"/>
-                </a:solidFill>
-                <a:latin typeface="맑은 고딕"/>
-              </a:rPr>
-              <a:t>  KAIST 등 세계적 연구 성과 (Nature 게재)</a:t>
+              <a:t>  KAIST 등 세계적 R&amp;D (Nature 게재)</a:t>
             </a:r>
           </a:p>
           <a:p>
@@ -10482,6 +10469,22 @@
                 <a:latin typeface="맑은 고딕"/>
               </a:rPr>
               <a:t>  생산-저장-운송-활용 통합 밸류체인</a:t>
+            </a:r>
+          </a:p>
+          <a:p>
+            <a:pPr algn="l">
+              <a:spcAft>
+                <a:spcPts val="400"/>
+              </a:spcAft>
+            </a:pPr>
+            <a:r>
+              <a:rPr sz="1400" b="0">
+                <a:solidFill>
+                  <a:srgbClr val="333333"/>
+                </a:solidFill>
+                <a:latin typeface="맑은 고딕"/>
+              </a:rPr>
+              <a:t>  XCIENT 유럽 165대, 2,000만km 돌파</a:t>
             </a:r>
           </a:p>
           <a:p>
@@ -10588,7 +10591,7 @@
                 </a:solidFill>
                 <a:latin typeface="맑은 고딕"/>
               </a:rPr>
-              <a:t>  MEA·촉매·전해질막 핵심 부품 수입 의존</a:t>
+              <a:t>  전해질막(80%+), 촉매(85%+) 수입 의존</a:t>
             </a:r>
           </a:p>
           <a:p>
@@ -10604,7 +10607,7 @@
                 </a:solidFill>
                 <a:latin typeface="맑은 고딕"/>
               </a:rPr>
-              <a:t>  CHPS 입찰 흥행 실패 (계획의 11.8%)</a:t>
+              <a:t>  CHPS 2024 낙찰 11.5%, 2025 입찰 취소</a:t>
             </a:r>
           </a:p>
           <a:p>
@@ -10636,7 +10639,7 @@
                 </a:solidFill>
                 <a:latin typeface="맑은 고딕"/>
               </a:rPr>
-              <a:t>  그린수소 5,200~6,500원/kg 경제성 부족</a:t>
+              <a:t>  충전소 대부분 적자(HyNet 4년 166억 손실)</a:t>
             </a:r>
           </a:p>
           <a:p>
@@ -10652,7 +10655,7 @@
                 </a:solidFill>
                 <a:latin typeface="맑은 고딕"/>
               </a:rPr>
-              <a:t>  충전소 407기, 수소차 4만대 대비 부족</a:t>
+              <a:t>  수소가격 10,239원/kg, 경제성 부족</a:t>
             </a:r>
           </a:p>
           <a:p>
@@ -10668,7 +10671,7 @@
                 </a:solidFill>
                 <a:latin typeface="맑은 고딕"/>
               </a:rPr>
-              <a:t>  수전해·수소액화 등 선도국과 7년+ 격차</a:t>
+              <a:t>  수전해·수소액화 선도국 대비 5~7년 격차</a:t>
             </a:r>
           </a:p>
           <a:p>
@@ -10684,7 +10687,7 @@
                 </a:solidFill>
                 <a:latin typeface="맑은 고딕"/>
               </a:rPr>
-              <a:t>  SOFC 내구성 (스택 교체주기 짧음)</a:t>
+              <a:t>  중국 추격 가속(특허 69%, 부품국산화 70%)</a:t>
             </a:r>
           </a:p>
           <a:p>
@@ -10700,7 +10703,7 @@
                 </a:solidFill>
                 <a:latin typeface="맑은 고딕"/>
               </a:rPr>
-              <a:t>  수소차 연간 수천 대, 대중화에는 아직 거리</a:t>
+              <a:t>  로드맵 달성률: 수소차 23%, 발전 13.5%</a:t>
             </a:r>
           </a:p>
         </p:txBody>
@@ -10925,7 +10928,7 @@
                 </a:solidFill>
                 <a:latin typeface="맑은 고딕"/>
               </a:rPr>
-              <a:t>2 / 22</a:t>
+              <a:t>2 / 25</a:t>
             </a:r>
           </a:p>
         </p:txBody>
@@ -11410,7 +11413,7 @@
                 </a:solidFill>
                 <a:latin typeface="맑은 고딕"/>
               </a:rPr>
-              <a:t>시장, 기업, R&amp;D, 인프라, 강점·약점, 과제</a:t>
+              <a:t>시장, 기업, R&amp;D, 인프라, 달성률, 기술격차, 충전소위기</a:t>
             </a:r>
           </a:p>
         </p:txBody>
@@ -11557,7 +11560,7 @@
                 </a:solidFill>
                 <a:latin typeface="맑은 고딕"/>
               </a:rPr>
-              <a:t>최근 기술 혁신 및 비용 절감 트렌드</a:t>
+              <a:t>[한국] 수소경제 로드맵 달성률 분석</a:t>
             </a:r>
           </a:p>
         </p:txBody>
@@ -11635,7 +11638,7 @@
                 </a:solidFill>
                 <a:latin typeface="맑은 고딕"/>
               </a:rPr>
-              <a:t>20 / 22</a:t>
+              <a:t>20 / 25</a:t>
             </a:r>
           </a:p>
         </p:txBody>
@@ -11648,8 +11651,8 @@
         </p:nvSpPr>
         <p:spPr>
           <a:xfrm>
-            <a:off x="731520" y="1371600"/>
-            <a:ext cx="10698480" cy="1828800"/>
+            <a:off x="731520" y="1280160"/>
+            <a:ext cx="10698480" cy="548640"/>
           </a:xfrm>
           <a:prstGeom prst="rect">
             <a:avLst/>
@@ -11668,61 +11671,13 @@
               </a:spcAft>
             </a:pPr>
             <a:r>
-              <a:rPr sz="1800" b="1">
+              <a:rPr sz="1600" b="1">
                 <a:solidFill>
                   <a:srgbClr val="1B3A5C"/>
                 </a:solidFill>
                 <a:latin typeface="맑은 고딕"/>
               </a:rPr>
-              <a:t>촉매 기술 혁신 — 백금 의존도 탈피</a:t>
-            </a:r>
-          </a:p>
-          <a:p>
-            <a:pPr lvl="1" algn="l">
-              <a:spcAft>
-                <a:spcPts val="600"/>
-              </a:spcAft>
-            </a:pPr>
-            <a:r>
-              <a:rPr sz="1500" b="0">
-                <a:solidFill>
-                  <a:srgbClr val="333333"/>
-                </a:solidFill>
-                <a:latin typeface="맑은 고딕"/>
-              </a:rPr>
-              <a:t>1990년대 대비 kW당 백금 사용량 90% 감소 | DOE 목표: 0.10 g/kW 미만</a:t>
-            </a:r>
-          </a:p>
-          <a:p>
-            <a:pPr lvl="1" algn="l">
-              <a:spcAft>
-                <a:spcPts val="600"/>
-              </a:spcAft>
-            </a:pPr>
-            <a:r>
-              <a:rPr sz="1500" b="0">
-                <a:solidFill>
-                  <a:srgbClr val="333333"/>
-                </a:solidFill>
-                <a:latin typeface="맑은 고딕"/>
-              </a:rPr>
-              <a:t>PGM-free 촉매: Fe-N-C 0.85 W/cm² | 코발트 기반 4배 내구성 | Fe-Cu 302 mW/cm²</a:t>
-            </a:r>
-          </a:p>
-          <a:p>
-            <a:pPr lvl="1" algn="l">
-              <a:spcAft>
-                <a:spcPts val="600"/>
-              </a:spcAft>
-            </a:pPr>
-            <a:r>
-              <a:rPr sz="1500" b="0">
-                <a:solidFill>
-                  <a:srgbClr val="333333"/>
-                </a:solidFill>
-                <a:latin typeface="맑은 고딕"/>
-              </a:rPr>
-              <a:t>워싱턴대 (2026.2): CVD 기법으로 철 촉매 내구성 획기적 개선</a:t>
+              <a:t>2019년 로드맵 목표 대비 2025년 현재 실제 달성 현황 — 분야별 상당한 편차 존재</a:t>
             </a:r>
           </a:p>
         </p:txBody>
@@ -11736,8 +11691,8 @@
           <p:nvPr/>
         </p:nvGraphicFramePr>
         <p:xfrm>
-          <a:off x="548640" y="3474720"/>
-          <a:ext cx="7772400" cy="2560320"/>
+          <a:off x="548640" y="1920240"/>
+          <a:ext cx="11064240" cy="3474720"/>
         </p:xfrm>
         <a:graphic>
           <a:graphicData uri="http://schemas.openxmlformats.org/drawingml/2006/table">
@@ -11746,11 +11701,13 @@
                 <a:tableStyleId>{5C22544A-7EE6-4342-B048-85BDC9FD1C3A}</a:tableStyleId>
               </a:tblPr>
               <a:tblGrid>
-                <a:gridCol w="3200400"/>
-                <a:gridCol w="2286000"/>
-                <a:gridCol w="2286000"/>
+                <a:gridCol w="2011680"/>
+                <a:gridCol w="2011680"/>
+                <a:gridCol w="2011680"/>
+                <a:gridCol w="1371600"/>
+                <a:gridCol w="3657600"/>
               </a:tblGrid>
-              <a:tr h="512064">
+              <a:tr h="496388">
                 <a:tc>
                   <a:txBody>
                     <a:bodyPr/>
@@ -11764,7 +11721,7 @@
                           </a:solidFill>
                           <a:latin typeface="맑은 고딕"/>
                         </a:rPr>
-                        <a:t>항목</a:t>
+                        <a:t>분야</a:t>
                       </a:r>
                     </a:p>
                   </a:txBody>
@@ -11787,7 +11744,7 @@
                           </a:solidFill>
                           <a:latin typeface="맑은 고딕"/>
                         </a:rPr>
-                        <a:t>현재 수준</a:t>
+                        <a:t>2022년 목표</a:t>
                       </a:r>
                     </a:p>
                   </a:txBody>
@@ -11810,7 +11767,7 @@
                           </a:solidFill>
                           <a:latin typeface="맑은 고딕"/>
                         </a:rPr>
-                        <a:t>목표</a:t>
+                        <a:t>실제 달성</a:t>
                       </a:r>
                     </a:p>
                   </a:txBody>
@@ -11820,22 +11777,68 @@
                     </a:solidFill>
                   </a:tcPr>
                 </a:tc>
+                <a:tc>
+                  <a:txBody>
+                    <a:bodyPr/>
+                    <a:lstStyle/>
+                    <a:p>
+                      <a:pPr algn="ctr"/>
+                      <a:r>
+                        <a:rPr sz="1400" b="1">
+                          <a:solidFill>
+                            <a:srgbClr val="FFFFFF"/>
+                          </a:solidFill>
+                          <a:latin typeface="맑은 고딕"/>
+                        </a:rPr>
+                        <a:t>달성률</a:t>
+                      </a:r>
+                    </a:p>
+                  </a:txBody>
+                  <a:tcPr anchor="ctr" marL="73152" marR="73152" marT="36576" marB="36576">
+                    <a:solidFill>
+                      <a:srgbClr val="1B3A5C"/>
+                    </a:solidFill>
+                  </a:tcPr>
+                </a:tc>
+                <a:tc>
+                  <a:txBody>
+                    <a:bodyPr/>
+                    <a:lstStyle/>
+                    <a:p>
+                      <a:pPr algn="ctr"/>
+                      <a:r>
+                        <a:rPr sz="1400" b="1">
+                          <a:solidFill>
+                            <a:srgbClr val="FFFFFF"/>
+                          </a:solidFill>
+                          <a:latin typeface="맑은 고딕"/>
+                        </a:rPr>
+                        <a:t>2030년 목표 대비 현황</a:t>
+                      </a:r>
+                    </a:p>
+                  </a:txBody>
+                  <a:tcPr anchor="ctr" marL="73152" marR="73152" marT="36576" marB="36576">
+                    <a:solidFill>
+                      <a:srgbClr val="1B3A5C"/>
+                    </a:solidFill>
+                  </a:tcPr>
+                </a:tc>
               </a:tr>
-              <a:tr h="512064">
-                <a:tc>
-                  <a:txBody>
-                    <a:bodyPr/>
-                    <a:lstStyle/>
-                    <a:p>
-                      <a:pPr algn="l"/>
-                      <a:r>
-                        <a:rPr sz="1400" b="0">
-                          <a:solidFill>
-                            <a:srgbClr val="333333"/>
-                          </a:solidFill>
-                          <a:latin typeface="맑은 고딕"/>
-                        </a:rPr>
-                        <a:t>수소 생산 비용</a:t>
+              <a:tr h="496388">
+                <a:tc>
+                  <a:txBody>
+                    <a:bodyPr/>
+                    <a:lstStyle/>
+                    <a:p>
+                      <a:pPr algn="l"/>
+                      <a:r>
+                        <a:rPr sz="1200" b="0">
+                          <a:solidFill>
+                            <a:srgbClr val="333333"/>
+                          </a:solidFill>
+                          <a:latin typeface="맑은 고딕"/>
+                        </a:rPr>
+                        <a:t>수소차 보급</a:t>
                       </a:r>
                     </a:p>
                   </a:txBody>
@@ -11852,13 +11855,13 @@
                     <a:p>
                       <a:pPr algn="l"/>
                       <a:r>
-                        <a:rPr sz="1400" b="0">
-                          <a:solidFill>
-                            <a:srgbClr val="333333"/>
-                          </a:solidFill>
-                          <a:latin typeface="맑은 고딕"/>
-                        </a:rPr>
-                        <a:t>$4~6/kg</a:t>
+                        <a:rPr sz="1200" b="0">
+                          <a:solidFill>
+                            <a:srgbClr val="333333"/>
+                          </a:solidFill>
+                          <a:latin typeface="맑은 고딕"/>
+                        </a:rPr>
+                        <a:t>8.1만 대</a:t>
                       </a:r>
                     </a:p>
                   </a:txBody>
@@ -11875,13 +11878,13 @@
                     <a:p>
                       <a:pPr algn="l"/>
                       <a:r>
-                        <a:rPr sz="1400" b="0">
-                          <a:solidFill>
-                            <a:srgbClr val="333333"/>
-                          </a:solidFill>
-                          <a:latin typeface="맑은 고딕"/>
-                        </a:rPr>
-                        <a:t>$1/kg (2031)</a:t>
+                        <a:rPr sz="1200" b="0">
+                          <a:solidFill>
+                            <a:srgbClr val="333333"/>
+                          </a:solidFill>
+                          <a:latin typeface="맑은 고딕"/>
+                        </a:rPr>
+                        <a:t>~1.9만 대</a:t>
                       </a:r>
                     </a:p>
                   </a:txBody>
@@ -11891,22 +11894,68 @@
                     </a:solidFill>
                   </a:tcPr>
                 </a:tc>
+                <a:tc>
+                  <a:txBody>
+                    <a:bodyPr/>
+                    <a:lstStyle/>
+                    <a:p>
+                      <a:pPr algn="l"/>
+                      <a:r>
+                        <a:rPr sz="1200" b="0">
+                          <a:solidFill>
+                            <a:srgbClr val="333333"/>
+                          </a:solidFill>
+                          <a:latin typeface="맑은 고딕"/>
+                        </a:rPr>
+                        <a:t>23%</a:t>
+                      </a:r>
+                    </a:p>
+                  </a:txBody>
+                  <a:tcPr anchor="ctr" marL="73152" marR="73152" marT="36576" marB="36576">
+                    <a:solidFill>
+                      <a:srgbClr val="FFFFFF"/>
+                    </a:solidFill>
+                  </a:tcPr>
+                </a:tc>
+                <a:tc>
+                  <a:txBody>
+                    <a:bodyPr/>
+                    <a:lstStyle/>
+                    <a:p>
+                      <a:pPr algn="l"/>
+                      <a:r>
+                        <a:rPr sz="1200" b="0">
+                          <a:solidFill>
+                            <a:srgbClr val="333333"/>
+                          </a:solidFill>
+                          <a:latin typeface="맑은 고딕"/>
+                        </a:rPr>
+                        <a:t>18만 대 목표 → 현재 3.8만 대</a:t>
+                      </a:r>
+                    </a:p>
+                  </a:txBody>
+                  <a:tcPr anchor="ctr" marL="73152" marR="73152" marT="36576" marB="36576">
+                    <a:solidFill>
+                      <a:srgbClr val="FFFFFF"/>
+                    </a:solidFill>
+                  </a:tcPr>
+                </a:tc>
               </a:tr>
-              <a:tr h="512064">
-                <a:tc>
-                  <a:txBody>
-                    <a:bodyPr/>
-                    <a:lstStyle/>
-                    <a:p>
-                      <a:pPr algn="l"/>
-                      <a:r>
-                        <a:rPr sz="1400" b="0">
-                          <a:solidFill>
-                            <a:srgbClr val="333333"/>
-                          </a:solidFill>
-                          <a:latin typeface="맑은 고딕"/>
-                        </a:rPr>
-                        <a:t>연료전지 시스템 (수송용)</a:t>
+              <a:tr h="496388">
+                <a:tc>
+                  <a:txBody>
+                    <a:bodyPr/>
+                    <a:lstStyle/>
+                    <a:p>
+                      <a:pPr algn="l"/>
+                      <a:r>
+                        <a:rPr sz="1200" b="0">
+                          <a:solidFill>
+                            <a:srgbClr val="333333"/>
+                          </a:solidFill>
+                          <a:latin typeface="맑은 고딕"/>
+                        </a:rPr>
+                        <a:t>수소충전소</a:t>
                       </a:r>
                     </a:p>
                   </a:txBody>
@@ -11923,13 +11972,13 @@
                     <a:p>
                       <a:pPr algn="l"/>
                       <a:r>
-                        <a:rPr sz="1400" b="0">
-                          <a:solidFill>
-                            <a:srgbClr val="333333"/>
-                          </a:solidFill>
-                          <a:latin typeface="맑은 고딕"/>
-                        </a:rPr>
-                        <a:t>$80~100/kW</a:t>
+                        <a:rPr sz="1200" b="0">
+                          <a:solidFill>
+                            <a:srgbClr val="333333"/>
+                          </a:solidFill>
+                          <a:latin typeface="맑은 고딕"/>
+                        </a:rPr>
+                        <a:t>310개소</a:t>
                       </a:r>
                     </a:p>
                   </a:txBody>
@@ -11946,13 +11995,13 @@
                     <a:p>
                       <a:pPr algn="l"/>
                       <a:r>
-                        <a:rPr sz="1400" b="0">
-                          <a:solidFill>
-                            <a:srgbClr val="333333"/>
-                          </a:solidFill>
-                          <a:latin typeface="맑은 고딕"/>
-                        </a:rPr>
-                        <a:t>$80/kW (2030)</a:t>
+                        <a:rPr sz="1200" b="0">
+                          <a:solidFill>
+                            <a:srgbClr val="333333"/>
+                          </a:solidFill>
+                          <a:latin typeface="맑은 고딕"/>
+                        </a:rPr>
+                        <a:t>~170개소(→407기)</a:t>
                       </a:r>
                     </a:p>
                   </a:txBody>
@@ -11962,22 +12011,68 @@
                     </a:solidFill>
                   </a:tcPr>
                 </a:tc>
+                <a:tc>
+                  <a:txBody>
+                    <a:bodyPr/>
+                    <a:lstStyle/>
+                    <a:p>
+                      <a:pPr algn="l"/>
+                      <a:r>
+                        <a:rPr sz="1200" b="0">
+                          <a:solidFill>
+                            <a:srgbClr val="333333"/>
+                          </a:solidFill>
+                          <a:latin typeface="맑은 고딕"/>
+                        </a:rPr>
+                        <a:t>55%→74%</a:t>
+                      </a:r>
+                    </a:p>
+                  </a:txBody>
+                  <a:tcPr anchor="ctr" marL="73152" marR="73152" marT="36576" marB="36576">
+                    <a:solidFill>
+                      <a:srgbClr val="E8F0F8"/>
+                    </a:solidFill>
+                  </a:tcPr>
+                </a:tc>
+                <a:tc>
+                  <a:txBody>
+                    <a:bodyPr/>
+                    <a:lstStyle/>
+                    <a:p>
+                      <a:pPr algn="l"/>
+                      <a:r>
+                        <a:rPr sz="1200" b="0">
+                          <a:solidFill>
+                            <a:srgbClr val="333333"/>
+                          </a:solidFill>
+                          <a:latin typeface="맑은 고딕"/>
+                        </a:rPr>
+                        <a:t>660기 목표 → 양호한 진척</a:t>
+                      </a:r>
+                    </a:p>
+                  </a:txBody>
+                  <a:tcPr anchor="ctr" marL="73152" marR="73152" marT="36576" marB="36576">
+                    <a:solidFill>
+                      <a:srgbClr val="E8F0F8"/>
+                    </a:solidFill>
+                  </a:tcPr>
+                </a:tc>
               </a:tr>
-              <a:tr h="512064">
-                <a:tc>
-                  <a:txBody>
-                    <a:bodyPr/>
-                    <a:lstStyle/>
-                    <a:p>
-                      <a:pPr algn="l"/>
-                      <a:r>
-                        <a:rPr sz="1400" b="0">
-                          <a:solidFill>
-                            <a:srgbClr val="333333"/>
-                          </a:solidFill>
-                          <a:latin typeface="맑은 고딕"/>
-                        </a:rPr>
-                        <a:t>전해조 시스템</a:t>
+              <a:tr h="496388">
+                <a:tc>
+                  <a:txBody>
+                    <a:bodyPr/>
+                    <a:lstStyle/>
+                    <a:p>
+                      <a:pPr algn="l"/>
+                      <a:r>
+                        <a:rPr sz="1200" b="0">
+                          <a:solidFill>
+                            <a:srgbClr val="333333"/>
+                          </a:solidFill>
+                          <a:latin typeface="맑은 고딕"/>
+                        </a:rPr>
+                        <a:t>발전용 연료전지</a:t>
                       </a:r>
                     </a:p>
                   </a:txBody>
@@ -11994,13 +12089,13 @@
                     <a:p>
                       <a:pPr algn="l"/>
                       <a:r>
-                        <a:rPr sz="1400" b="0">
-                          <a:solidFill>
-                            <a:srgbClr val="333333"/>
-                          </a:solidFill>
-                          <a:latin typeface="맑은 고딕"/>
-                        </a:rPr>
-                        <a:t>~$400/kW</a:t>
+                        <a:rPr sz="1200" b="0">
+                          <a:solidFill>
+                            <a:srgbClr val="333333"/>
+                          </a:solidFill>
+                          <a:latin typeface="맑은 고딕"/>
+                        </a:rPr>
+                        <a:t>1.5GW</a:t>
                       </a:r>
                     </a:p>
                   </a:txBody>
@@ -12017,13 +12112,13 @@
                     <a:p>
                       <a:pPr algn="l"/>
                       <a:r>
-                        <a:rPr sz="1400" b="0">
-                          <a:solidFill>
-                            <a:srgbClr val="333333"/>
-                          </a:solidFill>
-                          <a:latin typeface="맑은 고딕"/>
-                        </a:rPr>
-                        <a:t>$250/kW (2026)</a:t>
+                        <a:rPr sz="1200" b="0">
+                          <a:solidFill>
+                            <a:srgbClr val="333333"/>
+                          </a:solidFill>
+                          <a:latin typeface="맑은 고딕"/>
+                        </a:rPr>
+                        <a:t>~1.0GW</a:t>
                       </a:r>
                     </a:p>
                   </a:txBody>
@@ -12033,22 +12128,68 @@
                     </a:solidFill>
                   </a:tcPr>
                 </a:tc>
+                <a:tc>
+                  <a:txBody>
+                    <a:bodyPr/>
+                    <a:lstStyle/>
+                    <a:p>
+                      <a:pPr algn="l"/>
+                      <a:r>
+                        <a:rPr sz="1200" b="0">
+                          <a:solidFill>
+                            <a:srgbClr val="333333"/>
+                          </a:solidFill>
+                          <a:latin typeface="맑은 고딕"/>
+                        </a:rPr>
+                        <a:t>67%</a:t>
+                      </a:r>
+                    </a:p>
+                  </a:txBody>
+                  <a:tcPr anchor="ctr" marL="73152" marR="73152" marT="36576" marB="36576">
+                    <a:solidFill>
+                      <a:srgbClr val="FFFFFF"/>
+                    </a:solidFill>
+                  </a:tcPr>
+                </a:tc>
+                <a:tc>
+                  <a:txBody>
+                    <a:bodyPr/>
+                    <a:lstStyle/>
+                    <a:p>
+                      <a:pPr algn="l"/>
+                      <a:r>
+                        <a:rPr sz="1200" b="0">
+                          <a:solidFill>
+                            <a:srgbClr val="333333"/>
+                          </a:solidFill>
+                          <a:latin typeface="맑은 고딕"/>
+                        </a:rPr>
+                        <a:t>8GW 목표 → 1.08GW (13.5%)</a:t>
+                      </a:r>
+                    </a:p>
+                  </a:txBody>
+                  <a:tcPr anchor="ctr" marL="73152" marR="73152" marT="36576" marB="36576">
+                    <a:solidFill>
+                      <a:srgbClr val="FFFFFF"/>
+                    </a:solidFill>
+                  </a:tcPr>
+                </a:tc>
               </a:tr>
-              <a:tr h="512064">
-                <a:tc>
-                  <a:txBody>
-                    <a:bodyPr/>
-                    <a:lstStyle/>
-                    <a:p>
-                      <a:pPr algn="l"/>
-                      <a:r>
-                        <a:rPr sz="1400" b="0">
-                          <a:solidFill>
-                            <a:srgbClr val="333333"/>
-                          </a:solidFill>
-                          <a:latin typeface="맑은 고딕"/>
-                        </a:rPr>
-                        <a:t>백금 촉매 비용</a:t>
+              <a:tr h="496388">
+                <a:tc>
+                  <a:txBody>
+                    <a:bodyPr/>
+                    <a:lstStyle/>
+                    <a:p>
+                      <a:pPr algn="l"/>
+                      <a:r>
+                        <a:rPr sz="1200" b="0">
+                          <a:solidFill>
+                            <a:srgbClr val="333333"/>
+                          </a:solidFill>
+                          <a:latin typeface="맑은 고딕"/>
+                        </a:rPr>
+                        <a:t>건물용 연료전지</a:t>
                       </a:r>
                     </a:p>
                   </a:txBody>
@@ -12065,13 +12206,13 @@
                     <a:p>
                       <a:pPr algn="l"/>
                       <a:r>
-                        <a:rPr sz="1400" b="0">
-                          <a:solidFill>
-                            <a:srgbClr val="333333"/>
-                          </a:solidFill>
-                          <a:latin typeface="맑은 고딕"/>
-                        </a:rPr>
-                        <a:t>$6.80/kW</a:t>
+                        <a:rPr sz="1200" b="0">
+                          <a:solidFill>
+                            <a:srgbClr val="333333"/>
+                          </a:solidFill>
+                          <a:latin typeface="맑은 고딕"/>
+                        </a:rPr>
+                        <a:t>50MW</a:t>
                       </a:r>
                     </a:p>
                   </a:txBody>
@@ -12088,13 +12229,293 @@
                     <a:p>
                       <a:pPr algn="l"/>
                       <a:r>
-                        <a:rPr sz="1400" b="0">
-                          <a:solidFill>
-                            <a:srgbClr val="333333"/>
-                          </a:solidFill>
-                          <a:latin typeface="맑은 고딕"/>
-                        </a:rPr>
-                        <a:t>$4.18/kW</a:t>
+                        <a:rPr sz="1200" b="0">
+                          <a:solidFill>
+                            <a:srgbClr val="333333"/>
+                          </a:solidFill>
+                          <a:latin typeface="맑은 고딕"/>
+                        </a:rPr>
+                        <a:t>~13MW</a:t>
+                      </a:r>
+                    </a:p>
+                  </a:txBody>
+                  <a:tcPr anchor="ctr" marL="73152" marR="73152" marT="36576" marB="36576">
+                    <a:solidFill>
+                      <a:srgbClr val="E8F0F8"/>
+                    </a:solidFill>
+                  </a:tcPr>
+                </a:tc>
+                <a:tc>
+                  <a:txBody>
+                    <a:bodyPr/>
+                    <a:lstStyle/>
+                    <a:p>
+                      <a:pPr algn="l"/>
+                      <a:r>
+                        <a:rPr sz="1200" b="0">
+                          <a:solidFill>
+                            <a:srgbClr val="333333"/>
+                          </a:solidFill>
+                          <a:latin typeface="맑은 고딕"/>
+                        </a:rPr>
+                        <a:t>26%</a:t>
+                      </a:r>
+                    </a:p>
+                  </a:txBody>
+                  <a:tcPr anchor="ctr" marL="73152" marR="73152" marT="36576" marB="36576">
+                    <a:solidFill>
+                      <a:srgbClr val="E8F0F8"/>
+                    </a:solidFill>
+                  </a:tcPr>
+                </a:tc>
+                <a:tc>
+                  <a:txBody>
+                    <a:bodyPr/>
+                    <a:lstStyle/>
+                    <a:p>
+                      <a:pPr algn="l"/>
+                      <a:r>
+                        <a:rPr sz="1200" b="0">
+                          <a:solidFill>
+                            <a:srgbClr val="333333"/>
+                          </a:solidFill>
+                          <a:latin typeface="맑은 고딕"/>
+                        </a:rPr>
+                        <a:t>에네팜 49만대 대비 현저히 부족</a:t>
+                      </a:r>
+                    </a:p>
+                  </a:txBody>
+                  <a:tcPr anchor="ctr" marL="73152" marR="73152" marT="36576" marB="36576">
+                    <a:solidFill>
+                      <a:srgbClr val="E8F0F8"/>
+                    </a:solidFill>
+                  </a:tcPr>
+                </a:tc>
+              </a:tr>
+              <a:tr h="496388">
+                <a:tc>
+                  <a:txBody>
+                    <a:bodyPr/>
+                    <a:lstStyle/>
+                    <a:p>
+                      <a:pPr algn="l"/>
+                      <a:r>
+                        <a:rPr sz="1200" b="0">
+                          <a:solidFill>
+                            <a:srgbClr val="333333"/>
+                          </a:solidFill>
+                          <a:latin typeface="맑은 고딕"/>
+                        </a:rPr>
+                        <a:t>수소 공급량</a:t>
+                      </a:r>
+                    </a:p>
+                  </a:txBody>
+                  <a:tcPr anchor="ctr" marL="73152" marR="73152" marT="36576" marB="36576">
+                    <a:solidFill>
+                      <a:srgbClr val="FFFFFF"/>
+                    </a:solidFill>
+                  </a:tcPr>
+                </a:tc>
+                <a:tc>
+                  <a:txBody>
+                    <a:bodyPr/>
+                    <a:lstStyle/>
+                    <a:p>
+                      <a:pPr algn="l"/>
+                      <a:r>
+                        <a:rPr sz="1200" b="0">
+                          <a:solidFill>
+                            <a:srgbClr val="333333"/>
+                          </a:solidFill>
+                          <a:latin typeface="맑은 고딕"/>
+                        </a:rPr>
+                        <a:t>47만 톤</a:t>
+                      </a:r>
+                    </a:p>
+                  </a:txBody>
+                  <a:tcPr anchor="ctr" marL="73152" marR="73152" marT="36576" marB="36576">
+                    <a:solidFill>
+                      <a:srgbClr val="FFFFFF"/>
+                    </a:solidFill>
+                  </a:tcPr>
+                </a:tc>
+                <a:tc>
+                  <a:txBody>
+                    <a:bodyPr/>
+                    <a:lstStyle/>
+                    <a:p>
+                      <a:pPr algn="l"/>
+                      <a:r>
+                        <a:rPr sz="1200" b="0">
+                          <a:solidFill>
+                            <a:srgbClr val="333333"/>
+                          </a:solidFill>
+                          <a:latin typeface="맑은 고딕"/>
+                        </a:rPr>
+                        <a:t>~22만 톤</a:t>
+                      </a:r>
+                    </a:p>
+                  </a:txBody>
+                  <a:tcPr anchor="ctr" marL="73152" marR="73152" marT="36576" marB="36576">
+                    <a:solidFill>
+                      <a:srgbClr val="FFFFFF"/>
+                    </a:solidFill>
+                  </a:tcPr>
+                </a:tc>
+                <a:tc>
+                  <a:txBody>
+                    <a:bodyPr/>
+                    <a:lstStyle/>
+                    <a:p>
+                      <a:pPr algn="l"/>
+                      <a:r>
+                        <a:rPr sz="1200" b="0">
+                          <a:solidFill>
+                            <a:srgbClr val="333333"/>
+                          </a:solidFill>
+                          <a:latin typeface="맑은 고딕"/>
+                        </a:rPr>
+                        <a:t>47%</a:t>
+                      </a:r>
+                    </a:p>
+                  </a:txBody>
+                  <a:tcPr anchor="ctr" marL="73152" marR="73152" marT="36576" marB="36576">
+                    <a:solidFill>
+                      <a:srgbClr val="FFFFFF"/>
+                    </a:solidFill>
+                  </a:tcPr>
+                </a:tc>
+                <a:tc>
+                  <a:txBody>
+                    <a:bodyPr/>
+                    <a:lstStyle/>
+                    <a:p>
+                      <a:pPr algn="l"/>
+                      <a:r>
+                        <a:rPr sz="1200" b="0">
+                          <a:solidFill>
+                            <a:srgbClr val="333333"/>
+                          </a:solidFill>
+                          <a:latin typeface="맑은 고딕"/>
+                        </a:rPr>
+                        <a:t>390만 톤 목표 → 그린 전환 시급</a:t>
+                      </a:r>
+                    </a:p>
+                  </a:txBody>
+                  <a:tcPr anchor="ctr" marL="73152" marR="73152" marT="36576" marB="36576">
+                    <a:solidFill>
+                      <a:srgbClr val="FFFFFF"/>
+                    </a:solidFill>
+                  </a:tcPr>
+                </a:tc>
+              </a:tr>
+              <a:tr h="496392">
+                <a:tc>
+                  <a:txBody>
+                    <a:bodyPr/>
+                    <a:lstStyle/>
+                    <a:p>
+                      <a:pPr algn="l"/>
+                      <a:r>
+                        <a:rPr sz="1200" b="0">
+                          <a:solidFill>
+                            <a:srgbClr val="333333"/>
+                          </a:solidFill>
+                          <a:latin typeface="맑은 고딕"/>
+                        </a:rPr>
+                        <a:t>수소버스</a:t>
+                      </a:r>
+                    </a:p>
+                  </a:txBody>
+                  <a:tcPr anchor="ctr" marL="73152" marR="73152" marT="36576" marB="36576">
+                    <a:solidFill>
+                      <a:srgbClr val="E8F0F8"/>
+                    </a:solidFill>
+                  </a:tcPr>
+                </a:tc>
+                <a:tc>
+                  <a:txBody>
+                    <a:bodyPr/>
+                    <a:lstStyle/>
+                    <a:p>
+                      <a:pPr algn="l"/>
+                      <a:r>
+                        <a:rPr sz="1200" b="0">
+                          <a:solidFill>
+                            <a:srgbClr val="333333"/>
+                          </a:solidFill>
+                          <a:latin typeface="맑은 고딕"/>
+                        </a:rPr>
+                        <a:t>-</a:t>
+                      </a:r>
+                    </a:p>
+                  </a:txBody>
+                  <a:tcPr anchor="ctr" marL="73152" marR="73152" marT="36576" marB="36576">
+                    <a:solidFill>
+                      <a:srgbClr val="E8F0F8"/>
+                    </a:solidFill>
+                  </a:tcPr>
+                </a:tc>
+                <a:tc>
+                  <a:txBody>
+                    <a:bodyPr/>
+                    <a:lstStyle/>
+                    <a:p>
+                      <a:pPr algn="l"/>
+                      <a:r>
+                        <a:rPr sz="1200" b="0">
+                          <a:solidFill>
+                            <a:srgbClr val="333333"/>
+                          </a:solidFill>
+                          <a:latin typeface="맑은 고딕"/>
+                        </a:rPr>
+                        <a:t>2,066대</a:t>
+                      </a:r>
+                    </a:p>
+                  </a:txBody>
+                  <a:tcPr anchor="ctr" marL="73152" marR="73152" marT="36576" marB="36576">
+                    <a:solidFill>
+                      <a:srgbClr val="E8F0F8"/>
+                    </a:solidFill>
+                  </a:tcPr>
+                </a:tc>
+                <a:tc>
+                  <a:txBody>
+                    <a:bodyPr/>
+                    <a:lstStyle/>
+                    <a:p>
+                      <a:pPr algn="l"/>
+                      <a:r>
+                        <a:rPr sz="1200" b="0">
+                          <a:solidFill>
+                            <a:srgbClr val="333333"/>
+                          </a:solidFill>
+                          <a:latin typeface="맑은 고딕"/>
+                        </a:rPr>
+                        <a:t>-</a:t>
+                      </a:r>
+                    </a:p>
+                  </a:txBody>
+                  <a:tcPr anchor="ctr" marL="73152" marR="73152" marT="36576" marB="36576">
+                    <a:solidFill>
+                      <a:srgbClr val="E8F0F8"/>
+                    </a:solidFill>
+                  </a:tcPr>
+                </a:tc>
+                <a:tc>
+                  <a:txBody>
+                    <a:bodyPr/>
+                    <a:lstStyle/>
+                    <a:p>
+                      <a:pPr algn="l"/>
+                      <a:r>
+                        <a:rPr sz="1200" b="0">
+                          <a:solidFill>
+                            <a:srgbClr val="333333"/>
+                          </a:solidFill>
+                          <a:latin typeface="맑은 고딕"/>
+                        </a:rPr>
+                        <a:t>2024년 1,000대+ (277% 급증)</a:t>
                       </a:r>
                     </a:p>
                   </a:txBody>
@@ -12117,14 +12538,14 @@
         </p:nvSpPr>
         <p:spPr>
           <a:xfrm>
-            <a:off x="8686800" y="3474720"/>
-            <a:ext cx="2926080" cy="2560320"/>
+            <a:off x="548640" y="5577840"/>
+            <a:ext cx="3474720" cy="640080"/>
           </a:xfrm>
           <a:prstGeom prst="roundRect">
             <a:avLst/>
           </a:prstGeom>
           <a:solidFill>
-            <a:srgbClr val="1B3A5C"/>
+            <a:srgbClr val="2ECC71"/>
           </a:solidFill>
           <a:ln>
             <a:noFill/>
@@ -12150,19 +12571,117 @@
           <a:p>
             <a:pPr algn="ctr"/>
             <a:r>
-              <a:rPr sz="1400" b="0">
+              <a:rPr sz="1400" b="1">
                 <a:solidFill>
                   <a:srgbClr val="FFFFFF"/>
                 </a:solidFill>
                 <a:latin typeface="맑은 고딕"/>
               </a:rPr>
-              <a:t>AI 데이터센터
-전력 혁명
-2030년까지
-DC 38%가
-온사이트 발전
-SOFC가
-그리드 우회 솔루션</a:t>
+              <a:t>양호: 충전소, 수소버스</a:t>
+            </a:r>
+          </a:p>
+        </p:txBody>
+      </p:sp>
+      <p:sp>
+        <p:nvSpPr>
+          <p:cNvPr id="10" name="Rounded Rectangle 9"/>
+          <p:cNvSpPr/>
+          <p:nvPr/>
+        </p:nvSpPr>
+        <p:spPr>
+          <a:xfrm>
+            <a:off x="4206240" y="5577840"/>
+            <a:ext cx="3474720" cy="640080"/>
+          </a:xfrm>
+          <a:prstGeom prst="roundRect">
+            <a:avLst/>
+          </a:prstGeom>
+          <a:solidFill>
+            <a:srgbClr val="F39C12"/>
+          </a:solidFill>
+          <a:ln>
+            <a:noFill/>
+          </a:ln>
+        </p:spPr>
+        <p:style>
+          <a:lnRef idx="1">
+            <a:schemeClr val="accent1"/>
+          </a:lnRef>
+          <a:fillRef idx="3">
+            <a:schemeClr val="accent1"/>
+          </a:fillRef>
+          <a:effectRef idx="2">
+            <a:schemeClr val="accent1"/>
+          </a:effectRef>
+          <a:fontRef idx="minor">
+            <a:schemeClr val="lt1"/>
+          </a:fontRef>
+        </p:style>
+        <p:txBody>
+          <a:bodyPr rtlCol="0" anchor="ctr" wrap="square"/>
+          <a:lstStyle/>
+          <a:p>
+            <a:pPr algn="ctr"/>
+            <a:r>
+              <a:rPr sz="1400" b="1">
+                <a:solidFill>
+                  <a:srgbClr val="FFFFFF"/>
+                </a:solidFill>
+                <a:latin typeface="맑은 고딕"/>
+              </a:rPr>
+              <a:t>보통: 발전용, 수소공급</a:t>
+            </a:r>
+          </a:p>
+        </p:txBody>
+      </p:sp>
+      <p:sp>
+        <p:nvSpPr>
+          <p:cNvPr id="11" name="Rounded Rectangle 10"/>
+          <p:cNvSpPr/>
+          <p:nvPr/>
+        </p:nvSpPr>
+        <p:spPr>
+          <a:xfrm>
+            <a:off x="7863840" y="5577840"/>
+            <a:ext cx="3749039" cy="640080"/>
+          </a:xfrm>
+          <a:prstGeom prst="roundRect">
+            <a:avLst/>
+          </a:prstGeom>
+          <a:solidFill>
+            <a:srgbClr val="E74C3C"/>
+          </a:solidFill>
+          <a:ln>
+            <a:noFill/>
+          </a:ln>
+        </p:spPr>
+        <p:style>
+          <a:lnRef idx="1">
+            <a:schemeClr val="accent1"/>
+          </a:lnRef>
+          <a:fillRef idx="3">
+            <a:schemeClr val="accent1"/>
+          </a:fillRef>
+          <a:effectRef idx="2">
+            <a:schemeClr val="accent1"/>
+          </a:effectRef>
+          <a:fontRef idx="minor">
+            <a:schemeClr val="lt1"/>
+          </a:fontRef>
+        </p:style>
+        <p:txBody>
+          <a:bodyPr rtlCol="0" anchor="ctr" wrap="square"/>
+          <a:lstStyle/>
+          <a:p>
+            <a:pPr algn="ctr"/>
+            <a:r>
+              <a:rPr sz="1400" b="1">
+                <a:solidFill>
+                  <a:srgbClr val="FFFFFF"/>
+                </a:solidFill>
+                <a:latin typeface="맑은 고딕"/>
+              </a:rPr>
+              <a:t>저조: 수소차(23%), 건물용(26%)</a:t>
             </a:r>
           </a:p>
         </p:txBody>
@@ -12309,7 +12828,7 @@
                 </a:solidFill>
                 <a:latin typeface="맑은 고딕"/>
               </a:rPr>
-              <a:t>[한국] 글로벌 시장에서의 위상</a:t>
+              <a:t>[한국] 핵심부품 국산화율 및 기술격차 분석</a:t>
             </a:r>
           </a:p>
         </p:txBody>
@@ -12387,7 +12906,3180 @@
                 </a:solidFill>
                 <a:latin typeface="맑은 고딕"/>
               </a:rPr>
-              <a:t>21 / 22</a:t>
+              <a:t>21 / 25</a:t>
+            </a:r>
+          </a:p>
+        </p:txBody>
+      </p:sp>
+      <p:sp>
+        <p:nvSpPr>
+          <p:cNvPr id="7" name="Rounded Rectangle 6"/>
+          <p:cNvSpPr/>
+          <p:nvPr/>
+        </p:nvSpPr>
+        <p:spPr>
+          <a:xfrm>
+            <a:off x="457200" y="1280160"/>
+            <a:ext cx="5669280" cy="548640"/>
+          </a:xfrm>
+          <a:prstGeom prst="roundRect">
+            <a:avLst/>
+          </a:prstGeom>
+          <a:solidFill>
+            <a:srgbClr val="1B3A5C"/>
+          </a:solidFill>
+          <a:ln>
+            <a:noFill/>
+          </a:ln>
+        </p:spPr>
+        <p:style>
+          <a:lnRef idx="1">
+            <a:schemeClr val="accent1"/>
+          </a:lnRef>
+          <a:fillRef idx="3">
+            <a:schemeClr val="accent1"/>
+          </a:fillRef>
+          <a:effectRef idx="2">
+            <a:schemeClr val="accent1"/>
+          </a:effectRef>
+          <a:fontRef idx="minor">
+            <a:schemeClr val="lt1"/>
+          </a:fontRef>
+        </p:style>
+        <p:txBody>
+          <a:bodyPr rtlCol="0" anchor="ctr" wrap="square"/>
+          <a:lstStyle/>
+          <a:p>
+            <a:pPr algn="ctr"/>
+            <a:r>
+              <a:rPr sz="1600" b="1">
+                <a:solidFill>
+                  <a:srgbClr val="FFFFFF"/>
+                </a:solidFill>
+                <a:latin typeface="맑은 고딕"/>
+              </a:rPr>
+              <a:t>PEMFC 핵심부품 국산화 현황</a:t>
+            </a:r>
+          </a:p>
+        </p:txBody>
+      </p:sp>
+      <p:graphicFrame>
+        <p:nvGraphicFramePr>
+          <p:cNvPr id="8" name="Table 7"/>
+          <p:cNvGraphicFramePr>
+            <a:graphicFrameLocks noGrp="1"/>
+          </p:cNvGraphicFramePr>
+          <p:nvPr/>
+        </p:nvGraphicFramePr>
+        <p:xfrm>
+          <a:off x="457200" y="1920240"/>
+          <a:ext cx="5669280" cy="3017520"/>
+        </p:xfrm>
+        <a:graphic>
+          <a:graphicData uri="http://schemas.openxmlformats.org/drawingml/2006/table">
+            <a:tbl>
+              <a:tblPr firstRow="1" bandRow="1">
+                <a:tableStyleId>{5C22544A-7EE6-4342-B048-85BDC9FD1C3A}</a:tableStyleId>
+              </a:tblPr>
+              <a:tblGrid>
+                <a:gridCol w="1828800"/>
+                <a:gridCol w="1371600"/>
+                <a:gridCol w="2468880"/>
+              </a:tblGrid>
+              <a:tr h="502920">
+                <a:tc>
+                  <a:txBody>
+                    <a:bodyPr/>
+                    <a:lstStyle/>
+                    <a:p>
+                      <a:pPr algn="ctr"/>
+                      <a:r>
+                        <a:rPr sz="1400" b="1">
+                          <a:solidFill>
+                            <a:srgbClr val="FFFFFF"/>
+                          </a:solidFill>
+                          <a:latin typeface="맑은 고딕"/>
+                        </a:rPr>
+                        <a:t>핵심부품</a:t>
+                      </a:r>
+                    </a:p>
+                  </a:txBody>
+                  <a:tcPr anchor="ctr" marL="73152" marR="73152" marT="36576" marB="36576">
+                    <a:solidFill>
+                      <a:srgbClr val="1B3A5C"/>
+                    </a:solidFill>
+                  </a:tcPr>
+                </a:tc>
+                <a:tc>
+                  <a:txBody>
+                    <a:bodyPr/>
+                    <a:lstStyle/>
+                    <a:p>
+                      <a:pPr algn="ctr"/>
+                      <a:r>
+                        <a:rPr sz="1400" b="1">
+                          <a:solidFill>
+                            <a:srgbClr val="FFFFFF"/>
+                          </a:solidFill>
+                          <a:latin typeface="맑은 고딕"/>
+                        </a:rPr>
+                        <a:t>국산화율</a:t>
+                      </a:r>
+                    </a:p>
+                  </a:txBody>
+                  <a:tcPr anchor="ctr" marL="73152" marR="73152" marT="36576" marB="36576">
+                    <a:solidFill>
+                      <a:srgbClr val="1B3A5C"/>
+                    </a:solidFill>
+                  </a:tcPr>
+                </a:tc>
+                <a:tc>
+                  <a:txBody>
+                    <a:bodyPr/>
+                    <a:lstStyle/>
+                    <a:p>
+                      <a:pPr algn="ctr"/>
+                      <a:r>
+                        <a:rPr sz="1400" b="1">
+                          <a:solidFill>
+                            <a:srgbClr val="FFFFFF"/>
+                          </a:solidFill>
+                          <a:latin typeface="맑은 고딕"/>
+                        </a:rPr>
+                        <a:t>해외 의존 / 국내 기업</a:t>
+                      </a:r>
+                    </a:p>
+                  </a:txBody>
+                  <a:tcPr anchor="ctr" marL="73152" marR="73152" marT="36576" marB="36576">
+                    <a:solidFill>
+                      <a:srgbClr val="1B3A5C"/>
+                    </a:solidFill>
+                  </a:tcPr>
+                </a:tc>
+              </a:tr>
+              <a:tr h="502920">
+                <a:tc>
+                  <a:txBody>
+                    <a:bodyPr/>
+                    <a:lstStyle/>
+                    <a:p>
+                      <a:pPr algn="l"/>
+                      <a:r>
+                        <a:rPr sz="1100" b="0">
+                          <a:solidFill>
+                            <a:srgbClr val="333333"/>
+                          </a:solidFill>
+                          <a:latin typeface="맑은 고딕"/>
+                        </a:rPr>
+                        <a:t>전해질막 (PEM)</a:t>
+                      </a:r>
+                    </a:p>
+                  </a:txBody>
+                  <a:tcPr anchor="ctr" marL="73152" marR="73152" marT="36576" marB="36576">
+                    <a:solidFill>
+                      <a:srgbClr val="FFFFFF"/>
+                    </a:solidFill>
+                  </a:tcPr>
+                </a:tc>
+                <a:tc>
+                  <a:txBody>
+                    <a:bodyPr/>
+                    <a:lstStyle/>
+                    <a:p>
+                      <a:pPr algn="l"/>
+                      <a:r>
+                        <a:rPr sz="1100" b="0">
+                          <a:solidFill>
+                            <a:srgbClr val="333333"/>
+                          </a:solidFill>
+                          <a:latin typeface="맑은 고딕"/>
+                        </a:rPr>
+                        <a:t>10~20%</a:t>
+                      </a:r>
+                    </a:p>
+                  </a:txBody>
+                  <a:tcPr anchor="ctr" marL="73152" marR="73152" marT="36576" marB="36576">
+                    <a:solidFill>
+                      <a:srgbClr val="FFFFFF"/>
+                    </a:solidFill>
+                  </a:tcPr>
+                </a:tc>
+                <a:tc>
+                  <a:txBody>
+                    <a:bodyPr/>
+                    <a:lstStyle/>
+                    <a:p>
+                      <a:pPr algn="l"/>
+                      <a:r>
+                        <a:rPr sz="1100" b="0">
+                          <a:solidFill>
+                            <a:srgbClr val="333333"/>
+                          </a:solidFill>
+                          <a:latin typeface="맑은 고딕"/>
+                        </a:rPr>
+                        <a:t>Chemours(Nafion) / 코오롱</a:t>
+                      </a:r>
+                    </a:p>
+                  </a:txBody>
+                  <a:tcPr anchor="ctr" marL="73152" marR="73152" marT="36576" marB="36576">
+                    <a:solidFill>
+                      <a:srgbClr val="FFFFFF"/>
+                    </a:solidFill>
+                  </a:tcPr>
+                </a:tc>
+              </a:tr>
+              <a:tr h="502920">
+                <a:tc>
+                  <a:txBody>
+                    <a:bodyPr/>
+                    <a:lstStyle/>
+                    <a:p>
+                      <a:pPr algn="l"/>
+                      <a:r>
+                        <a:rPr sz="1100" b="0">
+                          <a:solidFill>
+                            <a:srgbClr val="333333"/>
+                          </a:solidFill>
+                          <a:latin typeface="맑은 고딕"/>
+                        </a:rPr>
+                        <a:t>촉매 (Pt/C)</a:t>
+                      </a:r>
+                    </a:p>
+                  </a:txBody>
+                  <a:tcPr anchor="ctr" marL="73152" marR="73152" marT="36576" marB="36576">
+                    <a:solidFill>
+                      <a:srgbClr val="E8F0F8"/>
+                    </a:solidFill>
+                  </a:tcPr>
+                </a:tc>
+                <a:tc>
+                  <a:txBody>
+                    <a:bodyPr/>
+                    <a:lstStyle/>
+                    <a:p>
+                      <a:pPr algn="l"/>
+                      <a:r>
+                        <a:rPr sz="1100" b="0">
+                          <a:solidFill>
+                            <a:srgbClr val="333333"/>
+                          </a:solidFill>
+                          <a:latin typeface="맑은 고딕"/>
+                        </a:rPr>
+                        <a:t>10~15%</a:t>
+                      </a:r>
+                    </a:p>
+                  </a:txBody>
+                  <a:tcPr anchor="ctr" marL="73152" marR="73152" marT="36576" marB="36576">
+                    <a:solidFill>
+                      <a:srgbClr val="E8F0F8"/>
+                    </a:solidFill>
+                  </a:tcPr>
+                </a:tc>
+                <a:tc>
+                  <a:txBody>
+                    <a:bodyPr/>
+                    <a:lstStyle/>
+                    <a:p>
+                      <a:pPr algn="l"/>
+                      <a:r>
+                        <a:rPr sz="1100" b="0">
+                          <a:solidFill>
+                            <a:srgbClr val="333333"/>
+                          </a:solidFill>
+                          <a:latin typeface="맑은 고딕"/>
+                        </a:rPr>
+                        <a:t>JM, Umicore / 연구단계</a:t>
+                      </a:r>
+                    </a:p>
+                  </a:txBody>
+                  <a:tcPr anchor="ctr" marL="73152" marR="73152" marT="36576" marB="36576">
+                    <a:solidFill>
+                      <a:srgbClr val="E8F0F8"/>
+                    </a:solidFill>
+                  </a:tcPr>
+                </a:tc>
+              </a:tr>
+              <a:tr h="502920">
+                <a:tc>
+                  <a:txBody>
+                    <a:bodyPr/>
+                    <a:lstStyle/>
+                    <a:p>
+                      <a:pPr algn="l"/>
+                      <a:r>
+                        <a:rPr sz="1100" b="0">
+                          <a:solidFill>
+                            <a:srgbClr val="333333"/>
+                          </a:solidFill>
+                          <a:latin typeface="맑은 고딕"/>
+                        </a:rPr>
+                        <a:t>MEA (막전극접합체)</a:t>
+                      </a:r>
+                    </a:p>
+                  </a:txBody>
+                  <a:tcPr anchor="ctr" marL="73152" marR="73152" marT="36576" marB="36576">
+                    <a:solidFill>
+                      <a:srgbClr val="FFFFFF"/>
+                    </a:solidFill>
+                  </a:tcPr>
+                </a:tc>
+                <a:tc>
+                  <a:txBody>
+                    <a:bodyPr/>
+                    <a:lstStyle/>
+                    <a:p>
+                      <a:pPr algn="l"/>
+                      <a:r>
+                        <a:rPr sz="1100" b="0">
+                          <a:solidFill>
+                            <a:srgbClr val="333333"/>
+                          </a:solidFill>
+                          <a:latin typeface="맑은 고딕"/>
+                        </a:rPr>
+                        <a:t>20~30%</a:t>
+                      </a:r>
+                    </a:p>
+                  </a:txBody>
+                  <a:tcPr anchor="ctr" marL="73152" marR="73152" marT="36576" marB="36576">
+                    <a:solidFill>
+                      <a:srgbClr val="FFFFFF"/>
+                    </a:solidFill>
+                  </a:tcPr>
+                </a:tc>
+                <a:tc>
+                  <a:txBody>
+                    <a:bodyPr/>
+                    <a:lstStyle/>
+                    <a:p>
+                      <a:pPr algn="l"/>
+                      <a:r>
+                        <a:rPr sz="1100" b="0">
+                          <a:solidFill>
+                            <a:srgbClr val="333333"/>
+                          </a:solidFill>
+                          <a:latin typeface="맑은 고딕"/>
+                        </a:rPr>
+                        <a:t>Gore, 3M / FCMT, 코오롱</a:t>
+                      </a:r>
+                    </a:p>
+                  </a:txBody>
+                  <a:tcPr anchor="ctr" marL="73152" marR="73152" marT="36576" marB="36576">
+                    <a:solidFill>
+                      <a:srgbClr val="FFFFFF"/>
+                    </a:solidFill>
+                  </a:tcPr>
+                </a:tc>
+              </a:tr>
+              <a:tr h="502920">
+                <a:tc>
+                  <a:txBody>
+                    <a:bodyPr/>
+                    <a:lstStyle/>
+                    <a:p>
+                      <a:pPr algn="l"/>
+                      <a:r>
+                        <a:rPr sz="1100" b="0">
+                          <a:solidFill>
+                            <a:srgbClr val="333333"/>
+                          </a:solidFill>
+                          <a:latin typeface="맑은 고딕"/>
+                        </a:rPr>
+                        <a:t>GDL (가스확산층)</a:t>
+                      </a:r>
+                    </a:p>
+                  </a:txBody>
+                  <a:tcPr anchor="ctr" marL="73152" marR="73152" marT="36576" marB="36576">
+                    <a:solidFill>
+                      <a:srgbClr val="E8F0F8"/>
+                    </a:solidFill>
+                  </a:tcPr>
+                </a:tc>
+                <a:tc>
+                  <a:txBody>
+                    <a:bodyPr/>
+                    <a:lstStyle/>
+                    <a:p>
+                      <a:pPr algn="l"/>
+                      <a:r>
+                        <a:rPr sz="1100" b="0">
+                          <a:solidFill>
+                            <a:srgbClr val="333333"/>
+                          </a:solidFill>
+                          <a:latin typeface="맑은 고딕"/>
+                        </a:rPr>
+                        <a:t>50~60%</a:t>
+                      </a:r>
+                    </a:p>
+                  </a:txBody>
+                  <a:tcPr anchor="ctr" marL="73152" marR="73152" marT="36576" marB="36576">
+                    <a:solidFill>
+                      <a:srgbClr val="E8F0F8"/>
+                    </a:solidFill>
+                  </a:tcPr>
+                </a:tc>
+                <a:tc>
+                  <a:txBody>
+                    <a:bodyPr/>
+                    <a:lstStyle/>
+                    <a:p>
+                      <a:pPr algn="l"/>
+                      <a:r>
+                        <a:rPr sz="1100" b="0">
+                          <a:solidFill>
+                            <a:srgbClr val="333333"/>
+                          </a:solidFill>
+                          <a:latin typeface="맑은 고딕"/>
+                        </a:rPr>
+                        <a:t>SGL, Toray / 제이앤티지</a:t>
+                      </a:r>
+                    </a:p>
+                  </a:txBody>
+                  <a:tcPr anchor="ctr" marL="73152" marR="73152" marT="36576" marB="36576">
+                    <a:solidFill>
+                      <a:srgbClr val="E8F0F8"/>
+                    </a:solidFill>
+                  </a:tcPr>
+                </a:tc>
+              </a:tr>
+              <a:tr h="502920">
+                <a:tc>
+                  <a:txBody>
+                    <a:bodyPr/>
+                    <a:lstStyle/>
+                    <a:p>
+                      <a:pPr algn="l"/>
+                      <a:r>
+                        <a:rPr sz="1100" b="0">
+                          <a:solidFill>
+                            <a:srgbClr val="333333"/>
+                          </a:solidFill>
+                          <a:latin typeface="맑은 고딕"/>
+                        </a:rPr>
+                        <a:t>분리판 (금속)</a:t>
+                      </a:r>
+                    </a:p>
+                  </a:txBody>
+                  <a:tcPr anchor="ctr" marL="73152" marR="73152" marT="36576" marB="36576">
+                    <a:solidFill>
+                      <a:srgbClr val="FFFFFF"/>
+                    </a:solidFill>
+                  </a:tcPr>
+                </a:tc>
+                <a:tc>
+                  <a:txBody>
+                    <a:bodyPr/>
+                    <a:lstStyle/>
+                    <a:p>
+                      <a:pPr algn="l"/>
+                      <a:r>
+                        <a:rPr sz="1100" b="0">
+                          <a:solidFill>
+                            <a:srgbClr val="333333"/>
+                          </a:solidFill>
+                          <a:latin typeface="맑은 고딕"/>
+                        </a:rPr>
+                        <a:t>60~70%</a:t>
+                      </a:r>
+                    </a:p>
+                  </a:txBody>
+                  <a:tcPr anchor="ctr" marL="73152" marR="73152" marT="36576" marB="36576">
+                    <a:solidFill>
+                      <a:srgbClr val="FFFFFF"/>
+                    </a:solidFill>
+                  </a:tcPr>
+                </a:tc>
+                <a:tc>
+                  <a:txBody>
+                    <a:bodyPr/>
+                    <a:lstStyle/>
+                    <a:p>
+                      <a:pPr algn="l"/>
+                      <a:r>
+                        <a:rPr sz="1100" b="0">
+                          <a:solidFill>
+                            <a:srgbClr val="333333"/>
+                          </a:solidFill>
+                          <a:latin typeface="맑은 고딕"/>
+                        </a:rPr>
+                        <a:t>국내 강점 / 케이퓨얼셀</a:t>
+                      </a:r>
+                    </a:p>
+                  </a:txBody>
+                  <a:tcPr anchor="ctr" marL="73152" marR="73152" marT="36576" marB="36576">
+                    <a:solidFill>
+                      <a:srgbClr val="FFFFFF"/>
+                    </a:solidFill>
+                  </a:tcPr>
+                </a:tc>
+              </a:tr>
+            </a:tbl>
+          </a:graphicData>
+        </a:graphic>
+      </p:graphicFrame>
+      <p:sp>
+        <p:nvSpPr>
+          <p:cNvPr id="9" name="Rounded Rectangle 8"/>
+          <p:cNvSpPr/>
+          <p:nvPr/>
+        </p:nvSpPr>
+        <p:spPr>
+          <a:xfrm>
+            <a:off x="6400800" y="1280160"/>
+            <a:ext cx="5212080" cy="548640"/>
+          </a:xfrm>
+          <a:prstGeom prst="roundRect">
+            <a:avLst/>
+          </a:prstGeom>
+          <a:solidFill>
+            <a:srgbClr val="E74C3C"/>
+          </a:solidFill>
+          <a:ln>
+            <a:noFill/>
+          </a:ln>
+        </p:spPr>
+        <p:style>
+          <a:lnRef idx="1">
+            <a:schemeClr val="accent1"/>
+          </a:lnRef>
+          <a:fillRef idx="3">
+            <a:schemeClr val="accent1"/>
+          </a:fillRef>
+          <a:effectRef idx="2">
+            <a:schemeClr val="accent1"/>
+          </a:effectRef>
+          <a:fontRef idx="minor">
+            <a:schemeClr val="lt1"/>
+          </a:fontRef>
+        </p:style>
+        <p:txBody>
+          <a:bodyPr rtlCol="0" anchor="ctr" wrap="square"/>
+          <a:lstStyle/>
+          <a:p>
+            <a:pPr algn="ctr"/>
+            <a:r>
+              <a:rPr sz="1600" b="1">
+                <a:solidFill>
+                  <a:srgbClr val="FFFFFF"/>
+                </a:solidFill>
+                <a:latin typeface="맑은 고딕"/>
+              </a:rPr>
+              <a:t>선도국 대비 기술격차 (NIGT 평가)</a:t>
+            </a:r>
+          </a:p>
+        </p:txBody>
+      </p:sp>
+      <p:graphicFrame>
+        <p:nvGraphicFramePr>
+          <p:cNvPr id="10" name="Table 9"/>
+          <p:cNvGraphicFramePr>
+            <a:graphicFrameLocks noGrp="1"/>
+          </p:cNvGraphicFramePr>
+          <p:nvPr/>
+        </p:nvGraphicFramePr>
+        <p:xfrm>
+          <a:off x="6400800" y="1920240"/>
+          <a:ext cx="5212080" cy="3017520"/>
+        </p:xfrm>
+        <a:graphic>
+          <a:graphicData uri="http://schemas.openxmlformats.org/drawingml/2006/table">
+            <a:tbl>
+              <a:tblPr firstRow="1" bandRow="1">
+                <a:tableStyleId>{5C22544A-7EE6-4342-B048-85BDC9FD1C3A}</a:tableStyleId>
+              </a:tblPr>
+              <a:tblGrid>
+                <a:gridCol w="2011680"/>
+                <a:gridCol w="1188720"/>
+                <a:gridCol w="2011680"/>
+              </a:tblGrid>
+              <a:tr h="431074">
+                <a:tc>
+                  <a:txBody>
+                    <a:bodyPr/>
+                    <a:lstStyle/>
+                    <a:p>
+                      <a:pPr algn="ctr"/>
+                      <a:r>
+                        <a:rPr sz="1400" b="1">
+                          <a:solidFill>
+                            <a:srgbClr val="FFFFFF"/>
+                          </a:solidFill>
+                          <a:latin typeface="맑은 고딕"/>
+                        </a:rPr>
+                        <a:t>기술 분야</a:t>
+                      </a:r>
+                    </a:p>
+                  </a:txBody>
+                  <a:tcPr anchor="ctr" marL="73152" marR="73152" marT="36576" marB="36576">
+                    <a:solidFill>
+                      <a:srgbClr val="1B3A5C"/>
+                    </a:solidFill>
+                  </a:tcPr>
+                </a:tc>
+                <a:tc>
+                  <a:txBody>
+                    <a:bodyPr/>
+                    <a:lstStyle/>
+                    <a:p>
+                      <a:pPr algn="ctr"/>
+                      <a:r>
+                        <a:rPr sz="1400" b="1">
+                          <a:solidFill>
+                            <a:srgbClr val="FFFFFF"/>
+                          </a:solidFill>
+                          <a:latin typeface="맑은 고딕"/>
+                        </a:rPr>
+                        <a:t>격차</a:t>
+                      </a:r>
+                    </a:p>
+                  </a:txBody>
+                  <a:tcPr anchor="ctr" marL="73152" marR="73152" marT="36576" marB="36576">
+                    <a:solidFill>
+                      <a:srgbClr val="1B3A5C"/>
+                    </a:solidFill>
+                  </a:tcPr>
+                </a:tc>
+                <a:tc>
+                  <a:txBody>
+                    <a:bodyPr/>
+                    <a:lstStyle/>
+                    <a:p>
+                      <a:pPr algn="ctr"/>
+                      <a:r>
+                        <a:rPr sz="1400" b="1">
+                          <a:solidFill>
+                            <a:srgbClr val="FFFFFF"/>
+                          </a:solidFill>
+                          <a:latin typeface="맑은 고딕"/>
+                        </a:rPr>
+                        <a:t>선도국</a:t>
+                      </a:r>
+                    </a:p>
+                  </a:txBody>
+                  <a:tcPr anchor="ctr" marL="73152" marR="73152" marT="36576" marB="36576">
+                    <a:solidFill>
+                      <a:srgbClr val="1B3A5C"/>
+                    </a:solidFill>
+                  </a:tcPr>
+                </a:tc>
+              </a:tr>
+              <a:tr h="431074">
+                <a:tc>
+                  <a:txBody>
+                    <a:bodyPr/>
+                    <a:lstStyle/>
+                    <a:p>
+                      <a:pPr algn="l"/>
+                      <a:r>
+                        <a:rPr sz="1100" b="0">
+                          <a:solidFill>
+                            <a:srgbClr val="333333"/>
+                          </a:solidFill>
+                          <a:latin typeface="맑은 고딕"/>
+                        </a:rPr>
+                        <a:t>PEMFC 스택</a:t>
+                      </a:r>
+                    </a:p>
+                  </a:txBody>
+                  <a:tcPr anchor="ctr" marL="73152" marR="73152" marT="36576" marB="36576">
+                    <a:solidFill>
+                      <a:srgbClr val="FFFFFF"/>
+                    </a:solidFill>
+                  </a:tcPr>
+                </a:tc>
+                <a:tc>
+                  <a:txBody>
+                    <a:bodyPr/>
+                    <a:lstStyle/>
+                    <a:p>
+                      <a:pPr algn="l"/>
+                      <a:r>
+                        <a:rPr sz="1100" b="0">
+                          <a:solidFill>
+                            <a:srgbClr val="333333"/>
+                          </a:solidFill>
+                          <a:latin typeface="맑은 고딕"/>
+                        </a:rPr>
+                        <a:t>1~3년</a:t>
+                      </a:r>
+                    </a:p>
+                  </a:txBody>
+                  <a:tcPr anchor="ctr" marL="73152" marR="73152" marT="36576" marB="36576">
+                    <a:solidFill>
+                      <a:srgbClr val="FFFFFF"/>
+                    </a:solidFill>
+                  </a:tcPr>
+                </a:tc>
+                <a:tc>
+                  <a:txBody>
+                    <a:bodyPr/>
+                    <a:lstStyle/>
+                    <a:p>
+                      <a:pPr algn="l"/>
+                      <a:r>
+                        <a:rPr sz="1100" b="0">
+                          <a:solidFill>
+                            <a:srgbClr val="333333"/>
+                          </a:solidFill>
+                          <a:latin typeface="맑은 고딕"/>
+                        </a:rPr>
+                        <a:t>일본(도요타)</a:t>
+                      </a:r>
+                    </a:p>
+                  </a:txBody>
+                  <a:tcPr anchor="ctr" marL="73152" marR="73152" marT="36576" marB="36576">
+                    <a:solidFill>
+                      <a:srgbClr val="FFFFFF"/>
+                    </a:solidFill>
+                  </a:tcPr>
+                </a:tc>
+              </a:tr>
+              <a:tr h="431074">
+                <a:tc>
+                  <a:txBody>
+                    <a:bodyPr/>
+                    <a:lstStyle/>
+                    <a:p>
+                      <a:pPr algn="l"/>
+                      <a:r>
+                        <a:rPr sz="1100" b="0">
+                          <a:solidFill>
+                            <a:srgbClr val="333333"/>
+                          </a:solidFill>
+                          <a:latin typeface="맑은 고딕"/>
+                        </a:rPr>
+                        <a:t>SOFC 발전용</a:t>
+                      </a:r>
+                    </a:p>
+                  </a:txBody>
+                  <a:tcPr anchor="ctr" marL="73152" marR="73152" marT="36576" marB="36576">
+                    <a:solidFill>
+                      <a:srgbClr val="E8F0F8"/>
+                    </a:solidFill>
+                  </a:tcPr>
+                </a:tc>
+                <a:tc>
+                  <a:txBody>
+                    <a:bodyPr/>
+                    <a:lstStyle/>
+                    <a:p>
+                      <a:pPr algn="l"/>
+                      <a:r>
+                        <a:rPr sz="1100" b="0">
+                          <a:solidFill>
+                            <a:srgbClr val="333333"/>
+                          </a:solidFill>
+                          <a:latin typeface="맑은 고딕"/>
+                        </a:rPr>
+                        <a:t>3~5년</a:t>
+                      </a:r>
+                    </a:p>
+                  </a:txBody>
+                  <a:tcPr anchor="ctr" marL="73152" marR="73152" marT="36576" marB="36576">
+                    <a:solidFill>
+                      <a:srgbClr val="E8F0F8"/>
+                    </a:solidFill>
+                  </a:tcPr>
+                </a:tc>
+                <a:tc>
+                  <a:txBody>
+                    <a:bodyPr/>
+                    <a:lstStyle/>
+                    <a:p>
+                      <a:pPr algn="l"/>
+                      <a:r>
+                        <a:rPr sz="1100" b="0">
+                          <a:solidFill>
+                            <a:srgbClr val="333333"/>
+                          </a:solidFill>
+                          <a:latin typeface="맑은 고딕"/>
+                        </a:rPr>
+                        <a:t>미국(Bloom)</a:t>
+                      </a:r>
+                    </a:p>
+                  </a:txBody>
+                  <a:tcPr anchor="ctr" marL="73152" marR="73152" marT="36576" marB="36576">
+                    <a:solidFill>
+                      <a:srgbClr val="E8F0F8"/>
+                    </a:solidFill>
+                  </a:tcPr>
+                </a:tc>
+              </a:tr>
+              <a:tr h="431074">
+                <a:tc>
+                  <a:txBody>
+                    <a:bodyPr/>
+                    <a:lstStyle/>
+                    <a:p>
+                      <a:pPr algn="l"/>
+                      <a:r>
+                        <a:rPr sz="1100" b="0">
+                          <a:solidFill>
+                            <a:srgbClr val="333333"/>
+                          </a:solidFill>
+                          <a:latin typeface="맑은 고딕"/>
+                        </a:rPr>
+                        <a:t>수전해 (PEM)</a:t>
+                      </a:r>
+                    </a:p>
+                  </a:txBody>
+                  <a:tcPr anchor="ctr" marL="73152" marR="73152" marT="36576" marB="36576">
+                    <a:solidFill>
+                      <a:srgbClr val="FFFFFF"/>
+                    </a:solidFill>
+                  </a:tcPr>
+                </a:tc>
+                <a:tc>
+                  <a:txBody>
+                    <a:bodyPr/>
+                    <a:lstStyle/>
+                    <a:p>
+                      <a:pPr algn="l"/>
+                      <a:r>
+                        <a:rPr sz="1100" b="0">
+                          <a:solidFill>
+                            <a:srgbClr val="333333"/>
+                          </a:solidFill>
+                          <a:latin typeface="맑은 고딕"/>
+                        </a:rPr>
+                        <a:t>3~5년</a:t>
+                      </a:r>
+                    </a:p>
+                  </a:txBody>
+                  <a:tcPr anchor="ctr" marL="73152" marR="73152" marT="36576" marB="36576">
+                    <a:solidFill>
+                      <a:srgbClr val="FFFFFF"/>
+                    </a:solidFill>
+                  </a:tcPr>
+                </a:tc>
+                <a:tc>
+                  <a:txBody>
+                    <a:bodyPr/>
+                    <a:lstStyle/>
+                    <a:p>
+                      <a:pPr algn="l"/>
+                      <a:r>
+                        <a:rPr sz="1100" b="0">
+                          <a:solidFill>
+                            <a:srgbClr val="333333"/>
+                          </a:solidFill>
+                          <a:latin typeface="맑은 고딕"/>
+                        </a:rPr>
+                        <a:t>독일, 미국</a:t>
+                      </a:r>
+                    </a:p>
+                  </a:txBody>
+                  <a:tcPr anchor="ctr" marL="73152" marR="73152" marT="36576" marB="36576">
+                    <a:solidFill>
+                      <a:srgbClr val="FFFFFF"/>
+                    </a:solidFill>
+                  </a:tcPr>
+                </a:tc>
+              </a:tr>
+              <a:tr h="431074">
+                <a:tc>
+                  <a:txBody>
+                    <a:bodyPr/>
+                    <a:lstStyle/>
+                    <a:p>
+                      <a:pPr algn="l"/>
+                      <a:r>
+                        <a:rPr sz="1100" b="0">
+                          <a:solidFill>
+                            <a:srgbClr val="333333"/>
+                          </a:solidFill>
+                          <a:latin typeface="맑은 고딕"/>
+                        </a:rPr>
+                        <a:t>전해질막</a:t>
+                      </a:r>
+                    </a:p>
+                  </a:txBody>
+                  <a:tcPr anchor="ctr" marL="73152" marR="73152" marT="36576" marB="36576">
+                    <a:solidFill>
+                      <a:srgbClr val="E8F0F8"/>
+                    </a:solidFill>
+                  </a:tcPr>
+                </a:tc>
+                <a:tc>
+                  <a:txBody>
+                    <a:bodyPr/>
+                    <a:lstStyle/>
+                    <a:p>
+                      <a:pPr algn="l"/>
+                      <a:r>
+                        <a:rPr sz="1100" b="0">
+                          <a:solidFill>
+                            <a:srgbClr val="333333"/>
+                          </a:solidFill>
+                          <a:latin typeface="맑은 고딕"/>
+                        </a:rPr>
+                        <a:t>5~7년</a:t>
+                      </a:r>
+                    </a:p>
+                  </a:txBody>
+                  <a:tcPr anchor="ctr" marL="73152" marR="73152" marT="36576" marB="36576">
+                    <a:solidFill>
+                      <a:srgbClr val="E8F0F8"/>
+                    </a:solidFill>
+                  </a:tcPr>
+                </a:tc>
+                <a:tc>
+                  <a:txBody>
+                    <a:bodyPr/>
+                    <a:lstStyle/>
+                    <a:p>
+                      <a:pPr algn="l"/>
+                      <a:r>
+                        <a:rPr sz="1100" b="0">
+                          <a:solidFill>
+                            <a:srgbClr val="333333"/>
+                          </a:solidFill>
+                          <a:latin typeface="맑은 고딕"/>
+                        </a:rPr>
+                        <a:t>미국(Chemours)</a:t>
+                      </a:r>
+                    </a:p>
+                  </a:txBody>
+                  <a:tcPr anchor="ctr" marL="73152" marR="73152" marT="36576" marB="36576">
+                    <a:solidFill>
+                      <a:srgbClr val="E8F0F8"/>
+                    </a:solidFill>
+                  </a:tcPr>
+                </a:tc>
+              </a:tr>
+              <a:tr h="431074">
+                <a:tc>
+                  <a:txBody>
+                    <a:bodyPr/>
+                    <a:lstStyle/>
+                    <a:p>
+                      <a:pPr algn="l"/>
+                      <a:r>
+                        <a:rPr sz="1100" b="0">
+                          <a:solidFill>
+                            <a:srgbClr val="333333"/>
+                          </a:solidFill>
+                          <a:latin typeface="맑은 고딕"/>
+                        </a:rPr>
+                        <a:t>촉매</a:t>
+                      </a:r>
+                    </a:p>
+                  </a:txBody>
+                  <a:tcPr anchor="ctr" marL="73152" marR="73152" marT="36576" marB="36576">
+                    <a:solidFill>
+                      <a:srgbClr val="FFFFFF"/>
+                    </a:solidFill>
+                  </a:tcPr>
+                </a:tc>
+                <a:tc>
+                  <a:txBody>
+                    <a:bodyPr/>
+                    <a:lstStyle/>
+                    <a:p>
+                      <a:pPr algn="l"/>
+                      <a:r>
+                        <a:rPr sz="1100" b="0">
+                          <a:solidFill>
+                            <a:srgbClr val="333333"/>
+                          </a:solidFill>
+                          <a:latin typeface="맑은 고딕"/>
+                        </a:rPr>
+                        <a:t>5~7년</a:t>
+                      </a:r>
+                    </a:p>
+                  </a:txBody>
+                  <a:tcPr anchor="ctr" marL="73152" marR="73152" marT="36576" marB="36576">
+                    <a:solidFill>
+                      <a:srgbClr val="FFFFFF"/>
+                    </a:solidFill>
+                  </a:tcPr>
+                </a:tc>
+                <a:tc>
+                  <a:txBody>
+                    <a:bodyPr/>
+                    <a:lstStyle/>
+                    <a:p>
+                      <a:pPr algn="l"/>
+                      <a:r>
+                        <a:rPr sz="1100" b="0">
+                          <a:solidFill>
+                            <a:srgbClr val="333333"/>
+                          </a:solidFill>
+                          <a:latin typeface="맑은 고딕"/>
+                        </a:rPr>
+                        <a:t>영국(JM)</a:t>
+                      </a:r>
+                    </a:p>
+                  </a:txBody>
+                  <a:tcPr anchor="ctr" marL="73152" marR="73152" marT="36576" marB="36576">
+                    <a:solidFill>
+                      <a:srgbClr val="FFFFFF"/>
+                    </a:solidFill>
+                  </a:tcPr>
+                </a:tc>
+              </a:tr>
+              <a:tr h="431076">
+                <a:tc>
+                  <a:txBody>
+                    <a:bodyPr/>
+                    <a:lstStyle/>
+                    <a:p>
+                      <a:pPr algn="l"/>
+                      <a:r>
+                        <a:rPr sz="1100" b="0">
+                          <a:solidFill>
+                            <a:srgbClr val="333333"/>
+                          </a:solidFill>
+                          <a:latin typeface="맑은 고딕"/>
+                        </a:rPr>
+                        <a:t>수소터빈</a:t>
+                      </a:r>
+                    </a:p>
+                  </a:txBody>
+                  <a:tcPr anchor="ctr" marL="73152" marR="73152" marT="36576" marB="36576">
+                    <a:solidFill>
+                      <a:srgbClr val="E8F0F8"/>
+                    </a:solidFill>
+                  </a:tcPr>
+                </a:tc>
+                <a:tc>
+                  <a:txBody>
+                    <a:bodyPr/>
+                    <a:lstStyle/>
+                    <a:p>
+                      <a:pPr algn="l"/>
+                      <a:r>
+                        <a:rPr sz="1100" b="0">
+                          <a:solidFill>
+                            <a:srgbClr val="333333"/>
+                          </a:solidFill>
+                          <a:latin typeface="맑은 고딕"/>
+                        </a:rPr>
+                        <a:t>10년+</a:t>
+                      </a:r>
+                    </a:p>
+                  </a:txBody>
+                  <a:tcPr anchor="ctr" marL="73152" marR="73152" marT="36576" marB="36576">
+                    <a:solidFill>
+                      <a:srgbClr val="E8F0F8"/>
+                    </a:solidFill>
+                  </a:tcPr>
+                </a:tc>
+                <a:tc>
+                  <a:txBody>
+                    <a:bodyPr/>
+                    <a:lstStyle/>
+                    <a:p>
+                      <a:pPr algn="l"/>
+                      <a:r>
+                        <a:rPr sz="1100" b="0">
+                          <a:solidFill>
+                            <a:srgbClr val="333333"/>
+                          </a:solidFill>
+                          <a:latin typeface="맑은 고딕"/>
+                        </a:rPr>
+                        <a:t>미국(GE)</a:t>
+                      </a:r>
+                    </a:p>
+                  </a:txBody>
+                  <a:tcPr anchor="ctr" marL="73152" marR="73152" marT="36576" marB="36576">
+                    <a:solidFill>
+                      <a:srgbClr val="E8F0F8"/>
+                    </a:solidFill>
+                  </a:tcPr>
+                </a:tc>
+              </a:tr>
+            </a:tbl>
+          </a:graphicData>
+        </a:graphic>
+      </p:graphicFrame>
+      <p:sp>
+        <p:nvSpPr>
+          <p:cNvPr id="11" name="TextBox 10"/>
+          <p:cNvSpPr txBox="1"/>
+          <p:nvPr/>
+        </p:nvSpPr>
+        <p:spPr>
+          <a:xfrm>
+            <a:off x="731520" y="5120640"/>
+            <a:ext cx="10698480" cy="1097280"/>
+          </a:xfrm>
+          <a:prstGeom prst="rect">
+            <a:avLst/>
+          </a:prstGeom>
+          <a:noFill/>
+        </p:spPr>
+        <p:txBody>
+          <a:bodyPr wrap="square">
+            <a:spAutoFit/>
+          </a:bodyPr>
+          <a:lstStyle/>
+          <a:p>
+            <a:pPr algn="l">
+              <a:spcAft>
+                <a:spcPts val="600"/>
+              </a:spcAft>
+            </a:pPr>
+            <a:r>
+              <a:rPr sz="1500" b="1">
+                <a:solidFill>
+                  <a:srgbClr val="E74C3C"/>
+                </a:solidFill>
+                <a:latin typeface="맑은 고딕"/>
+              </a:rPr>
+              <a:t>중국 추격 경고: 연료전지 특허 글로벌 69% 장악 | 부품 국산화 70% (한국 20~30%)</a:t>
+            </a:r>
+          </a:p>
+          <a:p>
+            <a:pPr algn="l">
+              <a:spcAft>
+                <a:spcPts val="600"/>
+              </a:spcAft>
+            </a:pPr>
+            <a:r>
+              <a:rPr sz="1400" b="0">
+                <a:solidFill>
+                  <a:srgbClr val="333333"/>
+                </a:solidFill>
+                <a:latin typeface="맑은 고딕"/>
+              </a:rPr>
+              <a:t>SynStack GIII 4.5+ kW/L (현대 2.5세대 ~3.5 kW/L) | 비용 연간 33% 하락 추세</a:t>
+            </a:r>
+          </a:p>
+        </p:txBody>
+      </p:sp>
+    </p:spTree>
+  </p:cSld>
+  <p:clrMapOvr>
+    <a:masterClrMapping/>
+  </p:clrMapOvr>
+</p:sld>
+</file>
+
+<file path=ppt/slides/slide22.xml><?xml version="1.0" encoding="utf-8"?>
+<p:sld xmlns:a="http://schemas.openxmlformats.org/drawingml/2006/main" xmlns:p="http://schemas.openxmlformats.org/presentationml/2006/main" xmlns:r="http://schemas.openxmlformats.org/officeDocument/2006/relationships">
+  <p:cSld>
+    <p:bg>
+      <p:bgPr>
+        <a:solidFill>
+          <a:srgbClr val="FFFFFF"/>
+        </a:solidFill>
+        <a:effectLst/>
+      </p:bgPr>
+    </p:bg>
+    <p:spTree>
+      <p:nvGrpSpPr>
+        <p:cNvPr id="1" name=""/>
+        <p:cNvGrpSpPr/>
+        <p:nvPr/>
+      </p:nvGrpSpPr>
+      <p:grpSpPr/>
+      <p:sp>
+        <p:nvSpPr>
+          <p:cNvPr id="2" name="Rectangle 1"/>
+          <p:cNvSpPr/>
+          <p:nvPr/>
+        </p:nvSpPr>
+        <p:spPr>
+          <a:xfrm>
+            <a:off x="0" y="0"/>
+            <a:ext cx="12191695" cy="1097280"/>
+          </a:xfrm>
+          <a:prstGeom prst="rect">
+            <a:avLst/>
+          </a:prstGeom>
+          <a:solidFill>
+            <a:srgbClr val="1B3A5C"/>
+          </a:solidFill>
+          <a:ln>
+            <a:noFill/>
+          </a:ln>
+        </p:spPr>
+        <p:style>
+          <a:lnRef idx="1">
+            <a:schemeClr val="accent1"/>
+          </a:lnRef>
+          <a:fillRef idx="3">
+            <a:schemeClr val="accent1"/>
+          </a:fillRef>
+          <a:effectRef idx="2">
+            <a:schemeClr val="accent1"/>
+          </a:effectRef>
+          <a:fontRef idx="minor">
+            <a:schemeClr val="lt1"/>
+          </a:fontRef>
+        </p:style>
+        <p:txBody>
+          <a:bodyPr rtlCol="0" anchor="ctr"/>
+          <a:lstStyle/>
+          <a:p>
+            <a:pPr algn="ctr"/>
+          </a:p>
+        </p:txBody>
+      </p:sp>
+      <p:sp>
+        <p:nvSpPr>
+          <p:cNvPr id="3" name="Rectangle 2"/>
+          <p:cNvSpPr/>
+          <p:nvPr/>
+        </p:nvSpPr>
+        <p:spPr>
+          <a:xfrm>
+            <a:off x="0" y="1097280"/>
+            <a:ext cx="12191695" cy="54864"/>
+          </a:xfrm>
+          <a:prstGeom prst="rect">
+            <a:avLst/>
+          </a:prstGeom>
+          <a:solidFill>
+            <a:srgbClr val="2ECC71"/>
+          </a:solidFill>
+          <a:ln>
+            <a:noFill/>
+          </a:ln>
+        </p:spPr>
+        <p:style>
+          <a:lnRef idx="1">
+            <a:schemeClr val="accent1"/>
+          </a:lnRef>
+          <a:fillRef idx="3">
+            <a:schemeClr val="accent1"/>
+          </a:fillRef>
+          <a:effectRef idx="2">
+            <a:schemeClr val="accent1"/>
+          </a:effectRef>
+          <a:fontRef idx="minor">
+            <a:schemeClr val="lt1"/>
+          </a:fontRef>
+        </p:style>
+        <p:txBody>
+          <a:bodyPr rtlCol="0" anchor="ctr"/>
+          <a:lstStyle/>
+          <a:p>
+            <a:pPr algn="ctr"/>
+          </a:p>
+        </p:txBody>
+      </p:sp>
+      <p:sp>
+        <p:nvSpPr>
+          <p:cNvPr id="4" name="TextBox 3"/>
+          <p:cNvSpPr txBox="1"/>
+          <p:nvPr/>
+        </p:nvSpPr>
+        <p:spPr>
+          <a:xfrm>
+            <a:off x="548640" y="182880"/>
+            <a:ext cx="10972800" cy="822960"/>
+          </a:xfrm>
+          <a:prstGeom prst="rect">
+            <a:avLst/>
+          </a:prstGeom>
+          <a:noFill/>
+        </p:spPr>
+        <p:txBody>
+          <a:bodyPr wrap="square">
+            <a:spAutoFit/>
+          </a:bodyPr>
+          <a:lstStyle/>
+          <a:p>
+            <a:pPr algn="l"/>
+            <a:r>
+              <a:rPr sz="3400" b="1">
+                <a:solidFill>
+                  <a:srgbClr val="FFFFFF"/>
+                </a:solidFill>
+                <a:latin typeface="맑은 고딕"/>
+              </a:rPr>
+              <a:t>[한국] 수소충전소 수익성 위기 분석</a:t>
+            </a:r>
+          </a:p>
+        </p:txBody>
+      </p:sp>
+      <p:sp>
+        <p:nvSpPr>
+          <p:cNvPr id="5" name="Rectangle 4"/>
+          <p:cNvSpPr/>
+          <p:nvPr/>
+        </p:nvSpPr>
+        <p:spPr>
+          <a:xfrm>
+            <a:off x="457200" y="6492240"/>
+            <a:ext cx="11277295" cy="18288"/>
+          </a:xfrm>
+          <a:prstGeom prst="rect">
+            <a:avLst/>
+          </a:prstGeom>
+          <a:solidFill>
+            <a:srgbClr val="1B3A5C"/>
+          </a:solidFill>
+          <a:ln>
+            <a:noFill/>
+          </a:ln>
+        </p:spPr>
+        <p:style>
+          <a:lnRef idx="1">
+            <a:schemeClr val="accent1"/>
+          </a:lnRef>
+          <a:fillRef idx="3">
+            <a:schemeClr val="accent1"/>
+          </a:fillRef>
+          <a:effectRef idx="2">
+            <a:schemeClr val="accent1"/>
+          </a:effectRef>
+          <a:fontRef idx="minor">
+            <a:schemeClr val="lt1"/>
+          </a:fontRef>
+        </p:style>
+        <p:txBody>
+          <a:bodyPr rtlCol="0" anchor="ctr"/>
+          <a:lstStyle/>
+          <a:p>
+            <a:pPr algn="ctr"/>
+          </a:p>
+        </p:txBody>
+      </p:sp>
+      <p:sp>
+        <p:nvSpPr>
+          <p:cNvPr id="6" name="TextBox 5"/>
+          <p:cNvSpPr txBox="1"/>
+          <p:nvPr/>
+        </p:nvSpPr>
+        <p:spPr>
+          <a:xfrm>
+            <a:off x="10972800" y="6400800"/>
+            <a:ext cx="1097280" cy="365760"/>
+          </a:xfrm>
+          <a:prstGeom prst="rect">
+            <a:avLst/>
+          </a:prstGeom>
+          <a:noFill/>
+        </p:spPr>
+        <p:txBody>
+          <a:bodyPr wrap="none">
+            <a:spAutoFit/>
+          </a:bodyPr>
+          <a:lstStyle/>
+          <a:p>
+            <a:pPr algn="r"/>
+            <a:r>
+              <a:rPr sz="1200" b="0">
+                <a:solidFill>
+                  <a:srgbClr val="666666"/>
+                </a:solidFill>
+                <a:latin typeface="맑은 고딕"/>
+              </a:rPr>
+              <a:t>22 / 25</a:t>
+            </a:r>
+          </a:p>
+        </p:txBody>
+      </p:sp>
+      <p:sp>
+        <p:nvSpPr>
+          <p:cNvPr id="7" name="Rounded Rectangle 6"/>
+          <p:cNvSpPr/>
+          <p:nvPr/>
+        </p:nvSpPr>
+        <p:spPr>
+          <a:xfrm>
+            <a:off x="457200" y="1280160"/>
+            <a:ext cx="5669280" cy="548640"/>
+          </a:xfrm>
+          <a:prstGeom prst="roundRect">
+            <a:avLst/>
+          </a:prstGeom>
+          <a:solidFill>
+            <a:srgbClr val="E74C3C"/>
+          </a:solidFill>
+          <a:ln>
+            <a:noFill/>
+          </a:ln>
+        </p:spPr>
+        <p:style>
+          <a:lnRef idx="1">
+            <a:schemeClr val="accent1"/>
+          </a:lnRef>
+          <a:fillRef idx="3">
+            <a:schemeClr val="accent1"/>
+          </a:fillRef>
+          <a:effectRef idx="2">
+            <a:schemeClr val="accent1"/>
+          </a:effectRef>
+          <a:fontRef idx="minor">
+            <a:schemeClr val="lt1"/>
+          </a:fontRef>
+        </p:style>
+        <p:txBody>
+          <a:bodyPr rtlCol="0" anchor="ctr" wrap="square"/>
+          <a:lstStyle/>
+          <a:p>
+            <a:pPr algn="ctr"/>
+            <a:r>
+              <a:rPr sz="1600" b="1">
+                <a:solidFill>
+                  <a:srgbClr val="FFFFFF"/>
+                </a:solidFill>
+                <a:latin typeface="맑은 고딕"/>
+              </a:rPr>
+              <a:t>충전소 수익성 현황 — 구조적 적자</a:t>
+            </a:r>
+          </a:p>
+        </p:txBody>
+      </p:sp>
+      <p:graphicFrame>
+        <p:nvGraphicFramePr>
+          <p:cNvPr id="8" name="Table 7"/>
+          <p:cNvGraphicFramePr>
+            <a:graphicFrameLocks noGrp="1"/>
+          </p:cNvGraphicFramePr>
+          <p:nvPr/>
+        </p:nvGraphicFramePr>
+        <p:xfrm>
+          <a:off x="457200" y="1920240"/>
+          <a:ext cx="5669280" cy="3200400"/>
+        </p:xfrm>
+        <a:graphic>
+          <a:graphicData uri="http://schemas.openxmlformats.org/drawingml/2006/table">
+            <a:tbl>
+              <a:tblPr firstRow="1" bandRow="1">
+                <a:tableStyleId>{5C22544A-7EE6-4342-B048-85BDC9FD1C3A}</a:tableStyleId>
+              </a:tblPr>
+              <a:tblGrid>
+                <a:gridCol w="2926080"/>
+                <a:gridCol w="2743200"/>
+              </a:tblGrid>
+              <a:tr h="457200">
+                <a:tc>
+                  <a:txBody>
+                    <a:bodyPr/>
+                    <a:lstStyle/>
+                    <a:p>
+                      <a:pPr algn="ctr"/>
+                      <a:r>
+                        <a:rPr sz="1400" b="1">
+                          <a:solidFill>
+                            <a:srgbClr val="FFFFFF"/>
+                          </a:solidFill>
+                          <a:latin typeface="맑은 고딕"/>
+                        </a:rPr>
+                        <a:t>항목</a:t>
+                      </a:r>
+                    </a:p>
+                  </a:txBody>
+                  <a:tcPr anchor="ctr" marL="73152" marR="73152" marT="36576" marB="36576">
+                    <a:solidFill>
+                      <a:srgbClr val="1B3A5C"/>
+                    </a:solidFill>
+                  </a:tcPr>
+                </a:tc>
+                <a:tc>
+                  <a:txBody>
+                    <a:bodyPr/>
+                    <a:lstStyle/>
+                    <a:p>
+                      <a:pPr algn="ctr"/>
+                      <a:r>
+                        <a:rPr sz="1400" b="1">
+                          <a:solidFill>
+                            <a:srgbClr val="FFFFFF"/>
+                          </a:solidFill>
+                          <a:latin typeface="맑은 고딕"/>
+                        </a:rPr>
+                        <a:t>현황</a:t>
+                      </a:r>
+                    </a:p>
+                  </a:txBody>
+                  <a:tcPr anchor="ctr" marL="73152" marR="73152" marT="36576" marB="36576">
+                    <a:solidFill>
+                      <a:srgbClr val="1B3A5C"/>
+                    </a:solidFill>
+                  </a:tcPr>
+                </a:tc>
+              </a:tr>
+              <a:tr h="457200">
+                <a:tc>
+                  <a:txBody>
+                    <a:bodyPr/>
+                    <a:lstStyle/>
+                    <a:p>
+                      <a:pPr algn="l"/>
+                      <a:r>
+                        <a:rPr sz="1200" b="0">
+                          <a:solidFill>
+                            <a:srgbClr val="333333"/>
+                          </a:solidFill>
+                          <a:latin typeface="맑은 고딕"/>
+                        </a:rPr>
+                        <a:t>충전소 1기 설치비</a:t>
+                      </a:r>
+                    </a:p>
+                  </a:txBody>
+                  <a:tcPr anchor="ctr" marL="73152" marR="73152" marT="36576" marB="36576">
+                    <a:solidFill>
+                      <a:srgbClr val="FFFFFF"/>
+                    </a:solidFill>
+                  </a:tcPr>
+                </a:tc>
+                <a:tc>
+                  <a:txBody>
+                    <a:bodyPr/>
+                    <a:lstStyle/>
+                    <a:p>
+                      <a:pPr algn="l"/>
+                      <a:r>
+                        <a:rPr sz="1200" b="0">
+                          <a:solidFill>
+                            <a:srgbClr val="333333"/>
+                          </a:solidFill>
+                          <a:latin typeface="맑은 고딕"/>
+                        </a:rPr>
+                        <a:t>30~50억 원</a:t>
+                      </a:r>
+                    </a:p>
+                  </a:txBody>
+                  <a:tcPr anchor="ctr" marL="73152" marR="73152" marT="36576" marB="36576">
+                    <a:solidFill>
+                      <a:srgbClr val="FFFFFF"/>
+                    </a:solidFill>
+                  </a:tcPr>
+                </a:tc>
+              </a:tr>
+              <a:tr h="457200">
+                <a:tc>
+                  <a:txBody>
+                    <a:bodyPr/>
+                    <a:lstStyle/>
+                    <a:p>
+                      <a:pPr algn="l"/>
+                      <a:r>
+                        <a:rPr sz="1200" b="0">
+                          <a:solidFill>
+                            <a:srgbClr val="333333"/>
+                          </a:solidFill>
+                          <a:latin typeface="맑은 고딕"/>
+                        </a:rPr>
+                        <a:t>가동률</a:t>
+                      </a:r>
+                    </a:p>
+                  </a:txBody>
+                  <a:tcPr anchor="ctr" marL="73152" marR="73152" marT="36576" marB="36576">
+                    <a:solidFill>
+                      <a:srgbClr val="E8F0F8"/>
+                    </a:solidFill>
+                  </a:tcPr>
+                </a:tc>
+                <a:tc>
+                  <a:txBody>
+                    <a:bodyPr/>
+                    <a:lstStyle/>
+                    <a:p>
+                      <a:pPr algn="l"/>
+                      <a:r>
+                        <a:rPr sz="1200" b="0">
+                          <a:solidFill>
+                            <a:srgbClr val="333333"/>
+                          </a:solidFill>
+                          <a:latin typeface="맑은 고딕"/>
+                        </a:rPr>
+                        <a:t>20~25% (손익분기 미달)</a:t>
+                      </a:r>
+                    </a:p>
+                  </a:txBody>
+                  <a:tcPr anchor="ctr" marL="73152" marR="73152" marT="36576" marB="36576">
+                    <a:solidFill>
+                      <a:srgbClr val="E8F0F8"/>
+                    </a:solidFill>
+                  </a:tcPr>
+                </a:tc>
+              </a:tr>
+              <a:tr h="457200">
+                <a:tc>
+                  <a:txBody>
+                    <a:bodyPr/>
+                    <a:lstStyle/>
+                    <a:p>
+                      <a:pPr algn="l"/>
+                      <a:r>
+                        <a:rPr sz="1200" b="0">
+                          <a:solidFill>
+                            <a:srgbClr val="333333"/>
+                          </a:solidFill>
+                          <a:latin typeface="맑은 고딕"/>
+                        </a:rPr>
+                        <a:t>하루 평균 충전</a:t>
+                      </a:r>
+                    </a:p>
+                  </a:txBody>
+                  <a:tcPr anchor="ctr" marL="73152" marR="73152" marT="36576" marB="36576">
+                    <a:solidFill>
+                      <a:srgbClr val="FFFFFF"/>
+                    </a:solidFill>
+                  </a:tcPr>
+                </a:tc>
+                <a:tc>
+                  <a:txBody>
+                    <a:bodyPr/>
+                    <a:lstStyle/>
+                    <a:p>
+                      <a:pPr algn="l"/>
+                      <a:r>
+                        <a:rPr sz="1200" b="0">
+                          <a:solidFill>
+                            <a:srgbClr val="333333"/>
+                          </a:solidFill>
+                          <a:latin typeface="맑은 고딕"/>
+                        </a:rPr>
+                        <a:t>4대에 불과</a:t>
+                      </a:r>
+                    </a:p>
+                  </a:txBody>
+                  <a:tcPr anchor="ctr" marL="73152" marR="73152" marT="36576" marB="36576">
+                    <a:solidFill>
+                      <a:srgbClr val="FFFFFF"/>
+                    </a:solidFill>
+                  </a:tcPr>
+                </a:tc>
+              </a:tr>
+              <a:tr h="457200">
+                <a:tc>
+                  <a:txBody>
+                    <a:bodyPr/>
+                    <a:lstStyle/>
+                    <a:p>
+                      <a:pPr algn="l"/>
+                      <a:r>
+                        <a:rPr sz="1200" b="0">
+                          <a:solidFill>
+                            <a:srgbClr val="333333"/>
+                          </a:solidFill>
+                          <a:latin typeface="맑은 고딕"/>
+                        </a:rPr>
+                        <a:t>흑자 충전소 수</a:t>
+                      </a:r>
+                    </a:p>
+                  </a:txBody>
+                  <a:tcPr anchor="ctr" marL="73152" marR="73152" marT="36576" marB="36576">
+                    <a:solidFill>
+                      <a:srgbClr val="E8F0F8"/>
+                    </a:solidFill>
+                  </a:tcPr>
+                </a:tc>
+                <a:tc>
+                  <a:txBody>
+                    <a:bodyPr/>
+                    <a:lstStyle/>
+                    <a:p>
+                      <a:pPr algn="l"/>
+                      <a:r>
+                        <a:rPr sz="1200" b="0">
+                          <a:solidFill>
+                            <a:srgbClr val="333333"/>
+                          </a:solidFill>
+                          <a:latin typeface="맑은 고딕"/>
+                        </a:rPr>
+                        <a:t>전국 약 7곳</a:t>
+                      </a:r>
+                    </a:p>
+                  </a:txBody>
+                  <a:tcPr anchor="ctr" marL="73152" marR="73152" marT="36576" marB="36576">
+                    <a:solidFill>
+                      <a:srgbClr val="E8F0F8"/>
+                    </a:solidFill>
+                  </a:tcPr>
+                </a:tc>
+              </a:tr>
+              <a:tr h="457200">
+                <a:tc>
+                  <a:txBody>
+                    <a:bodyPr/>
+                    <a:lstStyle/>
+                    <a:p>
+                      <a:pPr algn="l"/>
+                      <a:r>
+                        <a:rPr sz="1200" b="0">
+                          <a:solidFill>
+                            <a:srgbClr val="333333"/>
+                          </a:solidFill>
+                          <a:latin typeface="맑은 고딕"/>
+                        </a:rPr>
+                        <a:t>수소 판매가 (2025.7)</a:t>
+                      </a:r>
+                    </a:p>
+                  </a:txBody>
+                  <a:tcPr anchor="ctr" marL="73152" marR="73152" marT="36576" marB="36576">
+                    <a:solidFill>
+                      <a:srgbClr val="FFFFFF"/>
+                    </a:solidFill>
+                  </a:tcPr>
+                </a:tc>
+                <a:tc>
+                  <a:txBody>
+                    <a:bodyPr/>
+                    <a:lstStyle/>
+                    <a:p>
+                      <a:pPr algn="l"/>
+                      <a:r>
+                        <a:rPr sz="1200" b="0">
+                          <a:solidFill>
+                            <a:srgbClr val="333333"/>
+                          </a:solidFill>
+                          <a:latin typeface="맑은 고딕"/>
+                        </a:rPr>
+                        <a:t>10,239원/kg</a:t>
+                      </a:r>
+                    </a:p>
+                  </a:txBody>
+                  <a:tcPr anchor="ctr" marL="73152" marR="73152" marT="36576" marB="36576">
+                    <a:solidFill>
+                      <a:srgbClr val="FFFFFF"/>
+                    </a:solidFill>
+                  </a:tcPr>
+                </a:tc>
+              </a:tr>
+              <a:tr h="457200">
+                <a:tc>
+                  <a:txBody>
+                    <a:bodyPr/>
+                    <a:lstStyle/>
+                    <a:p>
+                      <a:pPr algn="l"/>
+                      <a:r>
+                        <a:rPr sz="1200" b="0">
+                          <a:solidFill>
+                            <a:srgbClr val="333333"/>
+                          </a:solidFill>
+                          <a:latin typeface="맑은 고딕"/>
+                        </a:rPr>
+                        <a:t>정부 지원 (152곳)</a:t>
+                      </a:r>
+                    </a:p>
+                  </a:txBody>
+                  <a:tcPr anchor="ctr" marL="73152" marR="73152" marT="36576" marB="36576">
+                    <a:solidFill>
+                      <a:srgbClr val="E8F0F8"/>
+                    </a:solidFill>
+                  </a:tcPr>
+                </a:tc>
+                <a:tc>
+                  <a:txBody>
+                    <a:bodyPr/>
+                    <a:lstStyle/>
+                    <a:p>
+                      <a:pPr algn="l"/>
+                      <a:r>
+                        <a:rPr sz="1200" b="0">
+                          <a:solidFill>
+                            <a:srgbClr val="333333"/>
+                          </a:solidFill>
+                          <a:latin typeface="맑은 고딕"/>
+                        </a:rPr>
+                        <a:t>연 82억원 (충전소당 5,400만원)</a:t>
+                      </a:r>
+                    </a:p>
+                  </a:txBody>
+                  <a:tcPr anchor="ctr" marL="73152" marR="73152" marT="36576" marB="36576">
+                    <a:solidFill>
+                      <a:srgbClr val="E8F0F8"/>
+                    </a:solidFill>
+                  </a:tcPr>
+                </a:tc>
+              </a:tr>
+            </a:tbl>
+          </a:graphicData>
+        </a:graphic>
+      </p:graphicFrame>
+      <p:sp>
+        <p:nvSpPr>
+          <p:cNvPr id="9" name="Rounded Rectangle 8"/>
+          <p:cNvSpPr/>
+          <p:nvPr/>
+        </p:nvSpPr>
+        <p:spPr>
+          <a:xfrm>
+            <a:off x="6400800" y="1280160"/>
+            <a:ext cx="5212080" cy="548640"/>
+          </a:xfrm>
+          <a:prstGeom prst="roundRect">
+            <a:avLst/>
+          </a:prstGeom>
+          <a:solidFill>
+            <a:srgbClr val="1B3A5C"/>
+          </a:solidFill>
+          <a:ln>
+            <a:noFill/>
+          </a:ln>
+        </p:spPr>
+        <p:style>
+          <a:lnRef idx="1">
+            <a:schemeClr val="accent1"/>
+          </a:lnRef>
+          <a:fillRef idx="3">
+            <a:schemeClr val="accent1"/>
+          </a:fillRef>
+          <a:effectRef idx="2">
+            <a:schemeClr val="accent1"/>
+          </a:effectRef>
+          <a:fontRef idx="minor">
+            <a:schemeClr val="lt1"/>
+          </a:fontRef>
+        </p:style>
+        <p:txBody>
+          <a:bodyPr rtlCol="0" anchor="ctr" wrap="square"/>
+          <a:lstStyle/>
+          <a:p>
+            <a:pPr algn="ctr"/>
+            <a:r>
+              <a:rPr sz="1600" b="1">
+                <a:solidFill>
+                  <a:srgbClr val="FFFFFF"/>
+                </a:solidFill>
+                <a:latin typeface="맑은 고딕"/>
+              </a:rPr>
+              <a:t>HyNet(한국수소충전소) 적자 추이</a:t>
+            </a:r>
+          </a:p>
+        </p:txBody>
+      </p:sp>
+      <p:graphicFrame>
+        <p:nvGraphicFramePr>
+          <p:cNvPr id="10" name="Table 9"/>
+          <p:cNvGraphicFramePr>
+            <a:graphicFrameLocks noGrp="1"/>
+          </p:cNvGraphicFramePr>
+          <p:nvPr/>
+        </p:nvGraphicFramePr>
+        <p:xfrm>
+          <a:off x="6400800" y="1920240"/>
+          <a:ext cx="5212080" cy="2743200"/>
+        </p:xfrm>
+        <a:graphic>
+          <a:graphicData uri="http://schemas.openxmlformats.org/drawingml/2006/table">
+            <a:tbl>
+              <a:tblPr firstRow="1" bandRow="1">
+                <a:tableStyleId>{5C22544A-7EE6-4342-B048-85BDC9FD1C3A}</a:tableStyleId>
+              </a:tblPr>
+              <a:tblGrid>
+                <a:gridCol w="2286000"/>
+                <a:gridCol w="2926080"/>
+              </a:tblGrid>
+              <a:tr h="457200">
+                <a:tc>
+                  <a:txBody>
+                    <a:bodyPr/>
+                    <a:lstStyle/>
+                    <a:p>
+                      <a:pPr algn="ctr"/>
+                      <a:r>
+                        <a:rPr sz="1400" b="1">
+                          <a:solidFill>
+                            <a:srgbClr val="FFFFFF"/>
+                          </a:solidFill>
+                          <a:latin typeface="맑은 고딕"/>
+                        </a:rPr>
+                        <a:t>연도</a:t>
+                      </a:r>
+                    </a:p>
+                  </a:txBody>
+                  <a:tcPr anchor="ctr" marL="73152" marR="73152" marT="36576" marB="36576">
+                    <a:solidFill>
+                      <a:srgbClr val="1B3A5C"/>
+                    </a:solidFill>
+                  </a:tcPr>
+                </a:tc>
+                <a:tc>
+                  <a:txBody>
+                    <a:bodyPr/>
+                    <a:lstStyle/>
+                    <a:p>
+                      <a:pPr algn="ctr"/>
+                      <a:r>
+                        <a:rPr sz="1400" b="1">
+                          <a:solidFill>
+                            <a:srgbClr val="FFFFFF"/>
+                          </a:solidFill>
+                          <a:latin typeface="맑은 고딕"/>
+                        </a:rPr>
+                        <a:t>적자액</a:t>
+                      </a:r>
+                    </a:p>
+                  </a:txBody>
+                  <a:tcPr anchor="ctr" marL="73152" marR="73152" marT="36576" marB="36576">
+                    <a:solidFill>
+                      <a:srgbClr val="1B3A5C"/>
+                    </a:solidFill>
+                  </a:tcPr>
+                </a:tc>
+              </a:tr>
+              <a:tr h="457200">
+                <a:tc>
+                  <a:txBody>
+                    <a:bodyPr/>
+                    <a:lstStyle/>
+                    <a:p>
+                      <a:pPr algn="l"/>
+                      <a:r>
+                        <a:rPr sz="1200" b="0">
+                          <a:solidFill>
+                            <a:srgbClr val="333333"/>
+                          </a:solidFill>
+                          <a:latin typeface="맑은 고딕"/>
+                        </a:rPr>
+                        <a:t>2019년</a:t>
+                      </a:r>
+                    </a:p>
+                  </a:txBody>
+                  <a:tcPr anchor="ctr" marL="73152" marR="73152" marT="36576" marB="36576">
+                    <a:solidFill>
+                      <a:srgbClr val="FFFFFF"/>
+                    </a:solidFill>
+                  </a:tcPr>
+                </a:tc>
+                <a:tc>
+                  <a:txBody>
+                    <a:bodyPr/>
+                    <a:lstStyle/>
+                    <a:p>
+                      <a:pPr algn="l"/>
+                      <a:r>
+                        <a:rPr sz="1200" b="0">
+                          <a:solidFill>
+                            <a:srgbClr val="333333"/>
+                          </a:solidFill>
+                          <a:latin typeface="맑은 고딕"/>
+                        </a:rPr>
+                        <a:t>11억 4,000만 원</a:t>
+                      </a:r>
+                    </a:p>
+                  </a:txBody>
+                  <a:tcPr anchor="ctr" marL="73152" marR="73152" marT="36576" marB="36576">
+                    <a:solidFill>
+                      <a:srgbClr val="FFFFFF"/>
+                    </a:solidFill>
+                  </a:tcPr>
+                </a:tc>
+              </a:tr>
+              <a:tr h="457200">
+                <a:tc>
+                  <a:txBody>
+                    <a:bodyPr/>
+                    <a:lstStyle/>
+                    <a:p>
+                      <a:pPr algn="l"/>
+                      <a:r>
+                        <a:rPr sz="1200" b="0">
+                          <a:solidFill>
+                            <a:srgbClr val="333333"/>
+                          </a:solidFill>
+                          <a:latin typeface="맑은 고딕"/>
+                        </a:rPr>
+                        <a:t>2020년</a:t>
+                      </a:r>
+                    </a:p>
+                  </a:txBody>
+                  <a:tcPr anchor="ctr" marL="73152" marR="73152" marT="36576" marB="36576">
+                    <a:solidFill>
+                      <a:srgbClr val="E8F0F8"/>
+                    </a:solidFill>
+                  </a:tcPr>
+                </a:tc>
+                <a:tc>
+                  <a:txBody>
+                    <a:bodyPr/>
+                    <a:lstStyle/>
+                    <a:p>
+                      <a:pPr algn="l"/>
+                      <a:r>
+                        <a:rPr sz="1200" b="0">
+                          <a:solidFill>
+                            <a:srgbClr val="333333"/>
+                          </a:solidFill>
+                          <a:latin typeface="맑은 고딕"/>
+                        </a:rPr>
+                        <a:t>22억 5,800만 원</a:t>
+                      </a:r>
+                    </a:p>
+                  </a:txBody>
+                  <a:tcPr anchor="ctr" marL="73152" marR="73152" marT="36576" marB="36576">
+                    <a:solidFill>
+                      <a:srgbClr val="E8F0F8"/>
+                    </a:solidFill>
+                  </a:tcPr>
+                </a:tc>
+              </a:tr>
+              <a:tr h="457200">
+                <a:tc>
+                  <a:txBody>
+                    <a:bodyPr/>
+                    <a:lstStyle/>
+                    <a:p>
+                      <a:pPr algn="l"/>
+                      <a:r>
+                        <a:rPr sz="1200" b="0">
+                          <a:solidFill>
+                            <a:srgbClr val="333333"/>
+                          </a:solidFill>
+                          <a:latin typeface="맑은 고딕"/>
+                        </a:rPr>
+                        <a:t>2021년</a:t>
+                      </a:r>
+                    </a:p>
+                  </a:txBody>
+                  <a:tcPr anchor="ctr" marL="73152" marR="73152" marT="36576" marB="36576">
+                    <a:solidFill>
+                      <a:srgbClr val="FFFFFF"/>
+                    </a:solidFill>
+                  </a:tcPr>
+                </a:tc>
+                <a:tc>
+                  <a:txBody>
+                    <a:bodyPr/>
+                    <a:lstStyle/>
+                    <a:p>
+                      <a:pPr algn="l"/>
+                      <a:r>
+                        <a:rPr sz="1200" b="0">
+                          <a:solidFill>
+                            <a:srgbClr val="333333"/>
+                          </a:solidFill>
+                          <a:latin typeface="맑은 고딕"/>
+                        </a:rPr>
+                        <a:t>58억 8,200만 원</a:t>
+                      </a:r>
+                    </a:p>
+                  </a:txBody>
+                  <a:tcPr anchor="ctr" marL="73152" marR="73152" marT="36576" marB="36576">
+                    <a:solidFill>
+                      <a:srgbClr val="FFFFFF"/>
+                    </a:solidFill>
+                  </a:tcPr>
+                </a:tc>
+              </a:tr>
+              <a:tr h="457200">
+                <a:tc>
+                  <a:txBody>
+                    <a:bodyPr/>
+                    <a:lstStyle/>
+                    <a:p>
+                      <a:pPr algn="l"/>
+                      <a:r>
+                        <a:rPr sz="1200" b="0">
+                          <a:solidFill>
+                            <a:srgbClr val="333333"/>
+                          </a:solidFill>
+                          <a:latin typeface="맑은 고딕"/>
+                        </a:rPr>
+                        <a:t>2022년</a:t>
+                      </a:r>
+                    </a:p>
+                  </a:txBody>
+                  <a:tcPr anchor="ctr" marL="73152" marR="73152" marT="36576" marB="36576">
+                    <a:solidFill>
+                      <a:srgbClr val="E8F0F8"/>
+                    </a:solidFill>
+                  </a:tcPr>
+                </a:tc>
+                <a:tc>
+                  <a:txBody>
+                    <a:bodyPr/>
+                    <a:lstStyle/>
+                    <a:p>
+                      <a:pPr algn="l"/>
+                      <a:r>
+                        <a:rPr sz="1200" b="0">
+                          <a:solidFill>
+                            <a:srgbClr val="333333"/>
+                          </a:solidFill>
+                          <a:latin typeface="맑은 고딕"/>
+                        </a:rPr>
+                        <a:t>84억 5,000만 원</a:t>
+                      </a:r>
+                    </a:p>
+                  </a:txBody>
+                  <a:tcPr anchor="ctr" marL="73152" marR="73152" marT="36576" marB="36576">
+                    <a:solidFill>
+                      <a:srgbClr val="E8F0F8"/>
+                    </a:solidFill>
+                  </a:tcPr>
+                </a:tc>
+              </a:tr>
+              <a:tr h="457200">
+                <a:tc>
+                  <a:txBody>
+                    <a:bodyPr/>
+                    <a:lstStyle/>
+                    <a:p>
+                      <a:pPr algn="l"/>
+                      <a:r>
+                        <a:rPr sz="1200" b="0">
+                          <a:solidFill>
+                            <a:srgbClr val="333333"/>
+                          </a:solidFill>
+                          <a:latin typeface="맑은 고딕"/>
+                        </a:rPr>
+                        <a:t>4년 누적</a:t>
+                      </a:r>
+                    </a:p>
+                  </a:txBody>
+                  <a:tcPr anchor="ctr" marL="73152" marR="73152" marT="36576" marB="36576">
+                    <a:solidFill>
+                      <a:srgbClr val="FFFFFF"/>
+                    </a:solidFill>
+                  </a:tcPr>
+                </a:tc>
+                <a:tc>
+                  <a:txBody>
+                    <a:bodyPr/>
+                    <a:lstStyle/>
+                    <a:p>
+                      <a:pPr algn="l"/>
+                      <a:r>
+                        <a:rPr sz="1200" b="0">
+                          <a:solidFill>
+                            <a:srgbClr val="333333"/>
+                          </a:solidFill>
+                          <a:latin typeface="맑은 고딕"/>
+                        </a:rPr>
+                        <a:t>166억 원 (639% 급증)</a:t>
+                      </a:r>
+                    </a:p>
+                  </a:txBody>
+                  <a:tcPr anchor="ctr" marL="73152" marR="73152" marT="36576" marB="36576">
+                    <a:solidFill>
+                      <a:srgbClr val="FFFFFF"/>
+                    </a:solidFill>
+                  </a:tcPr>
+                </a:tc>
+              </a:tr>
+            </a:tbl>
+          </a:graphicData>
+        </a:graphic>
+      </p:graphicFrame>
+      <p:sp>
+        <p:nvSpPr>
+          <p:cNvPr id="11" name="TextBox 10"/>
+          <p:cNvSpPr txBox="1"/>
+          <p:nvPr/>
+        </p:nvSpPr>
+        <p:spPr>
+          <a:xfrm>
+            <a:off x="731520" y="5303520"/>
+            <a:ext cx="10698480" cy="1097280"/>
+          </a:xfrm>
+          <a:prstGeom prst="rect">
+            <a:avLst/>
+          </a:prstGeom>
+          <a:noFill/>
+        </p:spPr>
+        <p:txBody>
+          <a:bodyPr wrap="square">
+            <a:spAutoFit/>
+          </a:bodyPr>
+          <a:lstStyle/>
+          <a:p>
+            <a:pPr algn="l">
+              <a:spcAft>
+                <a:spcPts val="600"/>
+              </a:spcAft>
+            </a:pPr>
+            <a:r>
+              <a:rPr sz="1400" b="1">
+                <a:solidFill>
+                  <a:srgbClr val="333333"/>
+                </a:solidFill>
+                <a:latin typeface="맑은 고딕"/>
+              </a:rPr>
+              <a:t>적자 원인: 수소차 4만대 대비 407기 충전소 → 충전소당 100대, 일 4대 충전</a:t>
+            </a:r>
+          </a:p>
+          <a:p>
+            <a:pPr algn="l">
+              <a:spcAft>
+                <a:spcPts val="600"/>
+              </a:spcAft>
+            </a:pPr>
+            <a:r>
+              <a:rPr sz="1400" b="0">
+                <a:solidFill>
+                  <a:srgbClr val="E74C3C"/>
+                </a:solidFill>
+                <a:latin typeface="맑은 고딕"/>
+              </a:rPr>
+              <a:t>수소 가격: 8,000원(2021) → 9,000원(2023, 러-우전쟁) → 10,000원+(2024) — 경유보다 비쌈</a:t>
+            </a:r>
+          </a:p>
+        </p:txBody>
+      </p:sp>
+    </p:spTree>
+  </p:cSld>
+  <p:clrMapOvr>
+    <a:masterClrMapping/>
+  </p:clrMapOvr>
+</p:sld>
+</file>
+
+<file path=ppt/slides/slide23.xml><?xml version="1.0" encoding="utf-8"?>
+<p:sld xmlns:a="http://schemas.openxmlformats.org/drawingml/2006/main" xmlns:p="http://schemas.openxmlformats.org/presentationml/2006/main" xmlns:r="http://schemas.openxmlformats.org/officeDocument/2006/relationships">
+  <p:cSld>
+    <p:bg>
+      <p:bgPr>
+        <a:solidFill>
+          <a:srgbClr val="FFFFFF"/>
+        </a:solidFill>
+        <a:effectLst/>
+      </p:bgPr>
+    </p:bg>
+    <p:spTree>
+      <p:nvGrpSpPr>
+        <p:cNvPr id="1" name=""/>
+        <p:cNvGrpSpPr/>
+        <p:nvPr/>
+      </p:nvGrpSpPr>
+      <p:grpSpPr/>
+      <p:sp>
+        <p:nvSpPr>
+          <p:cNvPr id="2" name="Rectangle 1"/>
+          <p:cNvSpPr/>
+          <p:nvPr/>
+        </p:nvSpPr>
+        <p:spPr>
+          <a:xfrm>
+            <a:off x="0" y="0"/>
+            <a:ext cx="12191695" cy="1097280"/>
+          </a:xfrm>
+          <a:prstGeom prst="rect">
+            <a:avLst/>
+          </a:prstGeom>
+          <a:solidFill>
+            <a:srgbClr val="1B3A5C"/>
+          </a:solidFill>
+          <a:ln>
+            <a:noFill/>
+          </a:ln>
+        </p:spPr>
+        <p:style>
+          <a:lnRef idx="1">
+            <a:schemeClr val="accent1"/>
+          </a:lnRef>
+          <a:fillRef idx="3">
+            <a:schemeClr val="accent1"/>
+          </a:fillRef>
+          <a:effectRef idx="2">
+            <a:schemeClr val="accent1"/>
+          </a:effectRef>
+          <a:fontRef idx="minor">
+            <a:schemeClr val="lt1"/>
+          </a:fontRef>
+        </p:style>
+        <p:txBody>
+          <a:bodyPr rtlCol="0" anchor="ctr"/>
+          <a:lstStyle/>
+          <a:p>
+            <a:pPr algn="ctr"/>
+          </a:p>
+        </p:txBody>
+      </p:sp>
+      <p:sp>
+        <p:nvSpPr>
+          <p:cNvPr id="3" name="Rectangle 2"/>
+          <p:cNvSpPr/>
+          <p:nvPr/>
+        </p:nvSpPr>
+        <p:spPr>
+          <a:xfrm>
+            <a:off x="0" y="1097280"/>
+            <a:ext cx="12191695" cy="54864"/>
+          </a:xfrm>
+          <a:prstGeom prst="rect">
+            <a:avLst/>
+          </a:prstGeom>
+          <a:solidFill>
+            <a:srgbClr val="2ECC71"/>
+          </a:solidFill>
+          <a:ln>
+            <a:noFill/>
+          </a:ln>
+        </p:spPr>
+        <p:style>
+          <a:lnRef idx="1">
+            <a:schemeClr val="accent1"/>
+          </a:lnRef>
+          <a:fillRef idx="3">
+            <a:schemeClr val="accent1"/>
+          </a:fillRef>
+          <a:effectRef idx="2">
+            <a:schemeClr val="accent1"/>
+          </a:effectRef>
+          <a:fontRef idx="minor">
+            <a:schemeClr val="lt1"/>
+          </a:fontRef>
+        </p:style>
+        <p:txBody>
+          <a:bodyPr rtlCol="0" anchor="ctr"/>
+          <a:lstStyle/>
+          <a:p>
+            <a:pPr algn="ctr"/>
+          </a:p>
+        </p:txBody>
+      </p:sp>
+      <p:sp>
+        <p:nvSpPr>
+          <p:cNvPr id="4" name="TextBox 3"/>
+          <p:cNvSpPr txBox="1"/>
+          <p:nvPr/>
+        </p:nvSpPr>
+        <p:spPr>
+          <a:xfrm>
+            <a:off x="548640" y="182880"/>
+            <a:ext cx="10972800" cy="822960"/>
+          </a:xfrm>
+          <a:prstGeom prst="rect">
+            <a:avLst/>
+          </a:prstGeom>
+          <a:noFill/>
+        </p:spPr>
+        <p:txBody>
+          <a:bodyPr wrap="square">
+            <a:spAutoFit/>
+          </a:bodyPr>
+          <a:lstStyle/>
+          <a:p>
+            <a:pPr algn="l"/>
+            <a:r>
+              <a:rPr sz="3400" b="1">
+                <a:solidFill>
+                  <a:srgbClr val="FFFFFF"/>
+                </a:solidFill>
+                <a:latin typeface="맑은 고딕"/>
+              </a:rPr>
+              <a:t>최근 기술 혁신 및 비용 절감 트렌드</a:t>
+            </a:r>
+          </a:p>
+        </p:txBody>
+      </p:sp>
+      <p:sp>
+        <p:nvSpPr>
+          <p:cNvPr id="5" name="Rectangle 4"/>
+          <p:cNvSpPr/>
+          <p:nvPr/>
+        </p:nvSpPr>
+        <p:spPr>
+          <a:xfrm>
+            <a:off x="457200" y="6492240"/>
+            <a:ext cx="11277295" cy="18288"/>
+          </a:xfrm>
+          <a:prstGeom prst="rect">
+            <a:avLst/>
+          </a:prstGeom>
+          <a:solidFill>
+            <a:srgbClr val="1B3A5C"/>
+          </a:solidFill>
+          <a:ln>
+            <a:noFill/>
+          </a:ln>
+        </p:spPr>
+        <p:style>
+          <a:lnRef idx="1">
+            <a:schemeClr val="accent1"/>
+          </a:lnRef>
+          <a:fillRef idx="3">
+            <a:schemeClr val="accent1"/>
+          </a:fillRef>
+          <a:effectRef idx="2">
+            <a:schemeClr val="accent1"/>
+          </a:effectRef>
+          <a:fontRef idx="minor">
+            <a:schemeClr val="lt1"/>
+          </a:fontRef>
+        </p:style>
+        <p:txBody>
+          <a:bodyPr rtlCol="0" anchor="ctr"/>
+          <a:lstStyle/>
+          <a:p>
+            <a:pPr algn="ctr"/>
+          </a:p>
+        </p:txBody>
+      </p:sp>
+      <p:sp>
+        <p:nvSpPr>
+          <p:cNvPr id="6" name="TextBox 5"/>
+          <p:cNvSpPr txBox="1"/>
+          <p:nvPr/>
+        </p:nvSpPr>
+        <p:spPr>
+          <a:xfrm>
+            <a:off x="10972800" y="6400800"/>
+            <a:ext cx="1097280" cy="365760"/>
+          </a:xfrm>
+          <a:prstGeom prst="rect">
+            <a:avLst/>
+          </a:prstGeom>
+          <a:noFill/>
+        </p:spPr>
+        <p:txBody>
+          <a:bodyPr wrap="none">
+            <a:spAutoFit/>
+          </a:bodyPr>
+          <a:lstStyle/>
+          <a:p>
+            <a:pPr algn="r"/>
+            <a:r>
+              <a:rPr sz="1200" b="0">
+                <a:solidFill>
+                  <a:srgbClr val="666666"/>
+                </a:solidFill>
+                <a:latin typeface="맑은 고딕"/>
+              </a:rPr>
+              <a:t>23 / 25</a:t>
+            </a:r>
+          </a:p>
+        </p:txBody>
+      </p:sp>
+      <p:sp>
+        <p:nvSpPr>
+          <p:cNvPr id="7" name="TextBox 6"/>
+          <p:cNvSpPr txBox="1"/>
+          <p:nvPr/>
+        </p:nvSpPr>
+        <p:spPr>
+          <a:xfrm>
+            <a:off x="731520" y="1371600"/>
+            <a:ext cx="10698480" cy="1828800"/>
+          </a:xfrm>
+          <a:prstGeom prst="rect">
+            <a:avLst/>
+          </a:prstGeom>
+          <a:noFill/>
+        </p:spPr>
+        <p:txBody>
+          <a:bodyPr wrap="square">
+            <a:spAutoFit/>
+          </a:bodyPr>
+          <a:lstStyle/>
+          <a:p>
+            <a:pPr algn="l">
+              <a:spcAft>
+                <a:spcPts val="600"/>
+              </a:spcAft>
+            </a:pPr>
+            <a:r>
+              <a:rPr sz="1800" b="1">
+                <a:solidFill>
+                  <a:srgbClr val="1B3A5C"/>
+                </a:solidFill>
+                <a:latin typeface="맑은 고딕"/>
+              </a:rPr>
+              <a:t>촉매 기술 혁신 — 백금 의존도 탈피</a:t>
+            </a:r>
+          </a:p>
+          <a:p>
+            <a:pPr lvl="1" algn="l">
+              <a:spcAft>
+                <a:spcPts val="600"/>
+              </a:spcAft>
+            </a:pPr>
+            <a:r>
+              <a:rPr sz="1500" b="0">
+                <a:solidFill>
+                  <a:srgbClr val="333333"/>
+                </a:solidFill>
+                <a:latin typeface="맑은 고딕"/>
+              </a:rPr>
+              <a:t>1990년대 대비 kW당 백금 사용량 90% 감소 | DOE 목표: 0.10 g/kW 미만</a:t>
+            </a:r>
+          </a:p>
+          <a:p>
+            <a:pPr lvl="1" algn="l">
+              <a:spcAft>
+                <a:spcPts val="600"/>
+              </a:spcAft>
+            </a:pPr>
+            <a:r>
+              <a:rPr sz="1500" b="0">
+                <a:solidFill>
+                  <a:srgbClr val="333333"/>
+                </a:solidFill>
+                <a:latin typeface="맑은 고딕"/>
+              </a:rPr>
+              <a:t>PGM-free 촉매: Fe-N-C 0.85 W/cm² | 코발트 기반 4배 내구성 | Fe-Cu 302 mW/cm²</a:t>
+            </a:r>
+          </a:p>
+          <a:p>
+            <a:pPr lvl="1" algn="l">
+              <a:spcAft>
+                <a:spcPts val="600"/>
+              </a:spcAft>
+            </a:pPr>
+            <a:r>
+              <a:rPr sz="1500" b="0">
+                <a:solidFill>
+                  <a:srgbClr val="333333"/>
+                </a:solidFill>
+                <a:latin typeface="맑은 고딕"/>
+              </a:rPr>
+              <a:t>워싱턴대 (2026.2): CVD 기법으로 철 촉매 내구성 획기적 개선</a:t>
+            </a:r>
+          </a:p>
+        </p:txBody>
+      </p:sp>
+      <p:graphicFrame>
+        <p:nvGraphicFramePr>
+          <p:cNvPr id="8" name="Table 7"/>
+          <p:cNvGraphicFramePr>
+            <a:graphicFrameLocks noGrp="1"/>
+          </p:cNvGraphicFramePr>
+          <p:nvPr/>
+        </p:nvGraphicFramePr>
+        <p:xfrm>
+          <a:off x="548640" y="3474720"/>
+          <a:ext cx="7772400" cy="2560320"/>
+        </p:xfrm>
+        <a:graphic>
+          <a:graphicData uri="http://schemas.openxmlformats.org/drawingml/2006/table">
+            <a:tbl>
+              <a:tblPr firstRow="1" bandRow="1">
+                <a:tableStyleId>{5C22544A-7EE6-4342-B048-85BDC9FD1C3A}</a:tableStyleId>
+              </a:tblPr>
+              <a:tblGrid>
+                <a:gridCol w="3200400"/>
+                <a:gridCol w="2286000"/>
+                <a:gridCol w="2286000"/>
+              </a:tblGrid>
+              <a:tr h="512064">
+                <a:tc>
+                  <a:txBody>
+                    <a:bodyPr/>
+                    <a:lstStyle/>
+                    <a:p>
+                      <a:pPr algn="ctr"/>
+                      <a:r>
+                        <a:rPr sz="1400" b="1">
+                          <a:solidFill>
+                            <a:srgbClr val="FFFFFF"/>
+                          </a:solidFill>
+                          <a:latin typeface="맑은 고딕"/>
+                        </a:rPr>
+                        <a:t>항목</a:t>
+                      </a:r>
+                    </a:p>
+                  </a:txBody>
+                  <a:tcPr anchor="ctr" marL="73152" marR="73152" marT="36576" marB="36576">
+                    <a:solidFill>
+                      <a:srgbClr val="1B3A5C"/>
+                    </a:solidFill>
+                  </a:tcPr>
+                </a:tc>
+                <a:tc>
+                  <a:txBody>
+                    <a:bodyPr/>
+                    <a:lstStyle/>
+                    <a:p>
+                      <a:pPr algn="ctr"/>
+                      <a:r>
+                        <a:rPr sz="1400" b="1">
+                          <a:solidFill>
+                            <a:srgbClr val="FFFFFF"/>
+                          </a:solidFill>
+                          <a:latin typeface="맑은 고딕"/>
+                        </a:rPr>
+                        <a:t>현재 수준</a:t>
+                      </a:r>
+                    </a:p>
+                  </a:txBody>
+                  <a:tcPr anchor="ctr" marL="73152" marR="73152" marT="36576" marB="36576">
+                    <a:solidFill>
+                      <a:srgbClr val="1B3A5C"/>
+                    </a:solidFill>
+                  </a:tcPr>
+                </a:tc>
+                <a:tc>
+                  <a:txBody>
+                    <a:bodyPr/>
+                    <a:lstStyle/>
+                    <a:p>
+                      <a:pPr algn="ctr"/>
+                      <a:r>
+                        <a:rPr sz="1400" b="1">
+                          <a:solidFill>
+                            <a:srgbClr val="FFFFFF"/>
+                          </a:solidFill>
+                          <a:latin typeface="맑은 고딕"/>
+                        </a:rPr>
+                        <a:t>목표</a:t>
+                      </a:r>
+                    </a:p>
+                  </a:txBody>
+                  <a:tcPr anchor="ctr" marL="73152" marR="73152" marT="36576" marB="36576">
+                    <a:solidFill>
+                      <a:srgbClr val="1B3A5C"/>
+                    </a:solidFill>
+                  </a:tcPr>
+                </a:tc>
+              </a:tr>
+              <a:tr h="512064">
+                <a:tc>
+                  <a:txBody>
+                    <a:bodyPr/>
+                    <a:lstStyle/>
+                    <a:p>
+                      <a:pPr algn="l"/>
+                      <a:r>
+                        <a:rPr sz="1400" b="0">
+                          <a:solidFill>
+                            <a:srgbClr val="333333"/>
+                          </a:solidFill>
+                          <a:latin typeface="맑은 고딕"/>
+                        </a:rPr>
+                        <a:t>수소 생산 비용</a:t>
+                      </a:r>
+                    </a:p>
+                  </a:txBody>
+                  <a:tcPr anchor="ctr" marL="73152" marR="73152" marT="36576" marB="36576">
+                    <a:solidFill>
+                      <a:srgbClr val="FFFFFF"/>
+                    </a:solidFill>
+                  </a:tcPr>
+                </a:tc>
+                <a:tc>
+                  <a:txBody>
+                    <a:bodyPr/>
+                    <a:lstStyle/>
+                    <a:p>
+                      <a:pPr algn="l"/>
+                      <a:r>
+                        <a:rPr sz="1400" b="0">
+                          <a:solidFill>
+                            <a:srgbClr val="333333"/>
+                          </a:solidFill>
+                          <a:latin typeface="맑은 고딕"/>
+                        </a:rPr>
+                        <a:t>$4~6/kg</a:t>
+                      </a:r>
+                    </a:p>
+                  </a:txBody>
+                  <a:tcPr anchor="ctr" marL="73152" marR="73152" marT="36576" marB="36576">
+                    <a:solidFill>
+                      <a:srgbClr val="FFFFFF"/>
+                    </a:solidFill>
+                  </a:tcPr>
+                </a:tc>
+                <a:tc>
+                  <a:txBody>
+                    <a:bodyPr/>
+                    <a:lstStyle/>
+                    <a:p>
+                      <a:pPr algn="l"/>
+                      <a:r>
+                        <a:rPr sz="1400" b="0">
+                          <a:solidFill>
+                            <a:srgbClr val="333333"/>
+                          </a:solidFill>
+                          <a:latin typeface="맑은 고딕"/>
+                        </a:rPr>
+                        <a:t>$1/kg (2031)</a:t>
+                      </a:r>
+                    </a:p>
+                  </a:txBody>
+                  <a:tcPr anchor="ctr" marL="73152" marR="73152" marT="36576" marB="36576">
+                    <a:solidFill>
+                      <a:srgbClr val="FFFFFF"/>
+                    </a:solidFill>
+                  </a:tcPr>
+                </a:tc>
+              </a:tr>
+              <a:tr h="512064">
+                <a:tc>
+                  <a:txBody>
+                    <a:bodyPr/>
+                    <a:lstStyle/>
+                    <a:p>
+                      <a:pPr algn="l"/>
+                      <a:r>
+                        <a:rPr sz="1400" b="0">
+                          <a:solidFill>
+                            <a:srgbClr val="333333"/>
+                          </a:solidFill>
+                          <a:latin typeface="맑은 고딕"/>
+                        </a:rPr>
+                        <a:t>연료전지 시스템 (수송용)</a:t>
+                      </a:r>
+                    </a:p>
+                  </a:txBody>
+                  <a:tcPr anchor="ctr" marL="73152" marR="73152" marT="36576" marB="36576">
+                    <a:solidFill>
+                      <a:srgbClr val="E8F0F8"/>
+                    </a:solidFill>
+                  </a:tcPr>
+                </a:tc>
+                <a:tc>
+                  <a:txBody>
+                    <a:bodyPr/>
+                    <a:lstStyle/>
+                    <a:p>
+                      <a:pPr algn="l"/>
+                      <a:r>
+                        <a:rPr sz="1400" b="0">
+                          <a:solidFill>
+                            <a:srgbClr val="333333"/>
+                          </a:solidFill>
+                          <a:latin typeface="맑은 고딕"/>
+                        </a:rPr>
+                        <a:t>$80~100/kW</a:t>
+                      </a:r>
+                    </a:p>
+                  </a:txBody>
+                  <a:tcPr anchor="ctr" marL="73152" marR="73152" marT="36576" marB="36576">
+                    <a:solidFill>
+                      <a:srgbClr val="E8F0F8"/>
+                    </a:solidFill>
+                  </a:tcPr>
+                </a:tc>
+                <a:tc>
+                  <a:txBody>
+                    <a:bodyPr/>
+                    <a:lstStyle/>
+                    <a:p>
+                      <a:pPr algn="l"/>
+                      <a:r>
+                        <a:rPr sz="1400" b="0">
+                          <a:solidFill>
+                            <a:srgbClr val="333333"/>
+                          </a:solidFill>
+                          <a:latin typeface="맑은 고딕"/>
+                        </a:rPr>
+                        <a:t>$80/kW (2030)</a:t>
+                      </a:r>
+                    </a:p>
+                  </a:txBody>
+                  <a:tcPr anchor="ctr" marL="73152" marR="73152" marT="36576" marB="36576">
+                    <a:solidFill>
+                      <a:srgbClr val="E8F0F8"/>
+                    </a:solidFill>
+                  </a:tcPr>
+                </a:tc>
+              </a:tr>
+              <a:tr h="512064">
+                <a:tc>
+                  <a:txBody>
+                    <a:bodyPr/>
+                    <a:lstStyle/>
+                    <a:p>
+                      <a:pPr algn="l"/>
+                      <a:r>
+                        <a:rPr sz="1400" b="0">
+                          <a:solidFill>
+                            <a:srgbClr val="333333"/>
+                          </a:solidFill>
+                          <a:latin typeface="맑은 고딕"/>
+                        </a:rPr>
+                        <a:t>전해조 시스템</a:t>
+                      </a:r>
+                    </a:p>
+                  </a:txBody>
+                  <a:tcPr anchor="ctr" marL="73152" marR="73152" marT="36576" marB="36576">
+                    <a:solidFill>
+                      <a:srgbClr val="FFFFFF"/>
+                    </a:solidFill>
+                  </a:tcPr>
+                </a:tc>
+                <a:tc>
+                  <a:txBody>
+                    <a:bodyPr/>
+                    <a:lstStyle/>
+                    <a:p>
+                      <a:pPr algn="l"/>
+                      <a:r>
+                        <a:rPr sz="1400" b="0">
+                          <a:solidFill>
+                            <a:srgbClr val="333333"/>
+                          </a:solidFill>
+                          <a:latin typeface="맑은 고딕"/>
+                        </a:rPr>
+                        <a:t>~$400/kW</a:t>
+                      </a:r>
+                    </a:p>
+                  </a:txBody>
+                  <a:tcPr anchor="ctr" marL="73152" marR="73152" marT="36576" marB="36576">
+                    <a:solidFill>
+                      <a:srgbClr val="FFFFFF"/>
+                    </a:solidFill>
+                  </a:tcPr>
+                </a:tc>
+                <a:tc>
+                  <a:txBody>
+                    <a:bodyPr/>
+                    <a:lstStyle/>
+                    <a:p>
+                      <a:pPr algn="l"/>
+                      <a:r>
+                        <a:rPr sz="1400" b="0">
+                          <a:solidFill>
+                            <a:srgbClr val="333333"/>
+                          </a:solidFill>
+                          <a:latin typeface="맑은 고딕"/>
+                        </a:rPr>
+                        <a:t>$250/kW (2026)</a:t>
+                      </a:r>
+                    </a:p>
+                  </a:txBody>
+                  <a:tcPr anchor="ctr" marL="73152" marR="73152" marT="36576" marB="36576">
+                    <a:solidFill>
+                      <a:srgbClr val="FFFFFF"/>
+                    </a:solidFill>
+                  </a:tcPr>
+                </a:tc>
+              </a:tr>
+              <a:tr h="512064">
+                <a:tc>
+                  <a:txBody>
+                    <a:bodyPr/>
+                    <a:lstStyle/>
+                    <a:p>
+                      <a:pPr algn="l"/>
+                      <a:r>
+                        <a:rPr sz="1400" b="0">
+                          <a:solidFill>
+                            <a:srgbClr val="333333"/>
+                          </a:solidFill>
+                          <a:latin typeface="맑은 고딕"/>
+                        </a:rPr>
+                        <a:t>백금 촉매 비용</a:t>
+                      </a:r>
+                    </a:p>
+                  </a:txBody>
+                  <a:tcPr anchor="ctr" marL="73152" marR="73152" marT="36576" marB="36576">
+                    <a:solidFill>
+                      <a:srgbClr val="E8F0F8"/>
+                    </a:solidFill>
+                  </a:tcPr>
+                </a:tc>
+                <a:tc>
+                  <a:txBody>
+                    <a:bodyPr/>
+                    <a:lstStyle/>
+                    <a:p>
+                      <a:pPr algn="l"/>
+                      <a:r>
+                        <a:rPr sz="1400" b="0">
+                          <a:solidFill>
+                            <a:srgbClr val="333333"/>
+                          </a:solidFill>
+                          <a:latin typeface="맑은 고딕"/>
+                        </a:rPr>
+                        <a:t>$6.80/kW</a:t>
+                      </a:r>
+                    </a:p>
+                  </a:txBody>
+                  <a:tcPr anchor="ctr" marL="73152" marR="73152" marT="36576" marB="36576">
+                    <a:solidFill>
+                      <a:srgbClr val="E8F0F8"/>
+                    </a:solidFill>
+                  </a:tcPr>
+                </a:tc>
+                <a:tc>
+                  <a:txBody>
+                    <a:bodyPr/>
+                    <a:lstStyle/>
+                    <a:p>
+                      <a:pPr algn="l"/>
+                      <a:r>
+                        <a:rPr sz="1400" b="0">
+                          <a:solidFill>
+                            <a:srgbClr val="333333"/>
+                          </a:solidFill>
+                          <a:latin typeface="맑은 고딕"/>
+                        </a:rPr>
+                        <a:t>$4.18/kW</a:t>
+                      </a:r>
+                    </a:p>
+                  </a:txBody>
+                  <a:tcPr anchor="ctr" marL="73152" marR="73152" marT="36576" marB="36576">
+                    <a:solidFill>
+                      <a:srgbClr val="E8F0F8"/>
+                    </a:solidFill>
+                  </a:tcPr>
+                </a:tc>
+              </a:tr>
+            </a:tbl>
+          </a:graphicData>
+        </a:graphic>
+      </p:graphicFrame>
+      <p:sp>
+        <p:nvSpPr>
+          <p:cNvPr id="9" name="Rounded Rectangle 8"/>
+          <p:cNvSpPr/>
+          <p:nvPr/>
+        </p:nvSpPr>
+        <p:spPr>
+          <a:xfrm>
+            <a:off x="8686800" y="3474720"/>
+            <a:ext cx="2926080" cy="2560320"/>
+          </a:xfrm>
+          <a:prstGeom prst="roundRect">
+            <a:avLst/>
+          </a:prstGeom>
+          <a:solidFill>
+            <a:srgbClr val="1B3A5C"/>
+          </a:solidFill>
+          <a:ln>
+            <a:noFill/>
+          </a:ln>
+        </p:spPr>
+        <p:style>
+          <a:lnRef idx="1">
+            <a:schemeClr val="accent1"/>
+          </a:lnRef>
+          <a:fillRef idx="3">
+            <a:schemeClr val="accent1"/>
+          </a:fillRef>
+          <a:effectRef idx="2">
+            <a:schemeClr val="accent1"/>
+          </a:effectRef>
+          <a:fontRef idx="minor">
+            <a:schemeClr val="lt1"/>
+          </a:fontRef>
+        </p:style>
+        <p:txBody>
+          <a:bodyPr rtlCol="0" anchor="ctr" wrap="square"/>
+          <a:lstStyle/>
+          <a:p>
+            <a:pPr algn="ctr"/>
+            <a:r>
+              <a:rPr sz="1400" b="0">
+                <a:solidFill>
+                  <a:srgbClr val="FFFFFF"/>
+                </a:solidFill>
+                <a:latin typeface="맑은 고딕"/>
+              </a:rPr>
+              <a:t>AI 데이터센터
+전력 혁명
+2030년까지
+DC 38%가
+온사이트 발전
+SOFC가
+그리드 우회 솔루션</a:t>
+            </a:r>
+          </a:p>
+        </p:txBody>
+      </p:sp>
+    </p:spTree>
+  </p:cSld>
+  <p:clrMapOvr>
+    <a:masterClrMapping/>
+  </p:clrMapOvr>
+</p:sld>
+</file>
+
+<file path=ppt/slides/slide24.xml><?xml version="1.0" encoding="utf-8"?>
+<p:sld xmlns:a="http://schemas.openxmlformats.org/drawingml/2006/main" xmlns:p="http://schemas.openxmlformats.org/presentationml/2006/main" xmlns:r="http://schemas.openxmlformats.org/officeDocument/2006/relationships">
+  <p:cSld>
+    <p:bg>
+      <p:bgPr>
+        <a:solidFill>
+          <a:srgbClr val="FFFFFF"/>
+        </a:solidFill>
+        <a:effectLst/>
+      </p:bgPr>
+    </p:bg>
+    <p:spTree>
+      <p:nvGrpSpPr>
+        <p:cNvPr id="1" name=""/>
+        <p:cNvGrpSpPr/>
+        <p:nvPr/>
+      </p:nvGrpSpPr>
+      <p:grpSpPr/>
+      <p:sp>
+        <p:nvSpPr>
+          <p:cNvPr id="2" name="Rectangle 1"/>
+          <p:cNvSpPr/>
+          <p:nvPr/>
+        </p:nvSpPr>
+        <p:spPr>
+          <a:xfrm>
+            <a:off x="0" y="0"/>
+            <a:ext cx="12191695" cy="1097280"/>
+          </a:xfrm>
+          <a:prstGeom prst="rect">
+            <a:avLst/>
+          </a:prstGeom>
+          <a:solidFill>
+            <a:srgbClr val="1B3A5C"/>
+          </a:solidFill>
+          <a:ln>
+            <a:noFill/>
+          </a:ln>
+        </p:spPr>
+        <p:style>
+          <a:lnRef idx="1">
+            <a:schemeClr val="accent1"/>
+          </a:lnRef>
+          <a:fillRef idx="3">
+            <a:schemeClr val="accent1"/>
+          </a:fillRef>
+          <a:effectRef idx="2">
+            <a:schemeClr val="accent1"/>
+          </a:effectRef>
+          <a:fontRef idx="minor">
+            <a:schemeClr val="lt1"/>
+          </a:fontRef>
+        </p:style>
+        <p:txBody>
+          <a:bodyPr rtlCol="0" anchor="ctr"/>
+          <a:lstStyle/>
+          <a:p>
+            <a:pPr algn="ctr"/>
+          </a:p>
+        </p:txBody>
+      </p:sp>
+      <p:sp>
+        <p:nvSpPr>
+          <p:cNvPr id="3" name="Rectangle 2"/>
+          <p:cNvSpPr/>
+          <p:nvPr/>
+        </p:nvSpPr>
+        <p:spPr>
+          <a:xfrm>
+            <a:off x="0" y="1097280"/>
+            <a:ext cx="12191695" cy="54864"/>
+          </a:xfrm>
+          <a:prstGeom prst="rect">
+            <a:avLst/>
+          </a:prstGeom>
+          <a:solidFill>
+            <a:srgbClr val="2ECC71"/>
+          </a:solidFill>
+          <a:ln>
+            <a:noFill/>
+          </a:ln>
+        </p:spPr>
+        <p:style>
+          <a:lnRef idx="1">
+            <a:schemeClr val="accent1"/>
+          </a:lnRef>
+          <a:fillRef idx="3">
+            <a:schemeClr val="accent1"/>
+          </a:fillRef>
+          <a:effectRef idx="2">
+            <a:schemeClr val="accent1"/>
+          </a:effectRef>
+          <a:fontRef idx="minor">
+            <a:schemeClr val="lt1"/>
+          </a:fontRef>
+        </p:style>
+        <p:txBody>
+          <a:bodyPr rtlCol="0" anchor="ctr"/>
+          <a:lstStyle/>
+          <a:p>
+            <a:pPr algn="ctr"/>
+          </a:p>
+        </p:txBody>
+      </p:sp>
+      <p:sp>
+        <p:nvSpPr>
+          <p:cNvPr id="4" name="TextBox 3"/>
+          <p:cNvSpPr txBox="1"/>
+          <p:nvPr/>
+        </p:nvSpPr>
+        <p:spPr>
+          <a:xfrm>
+            <a:off x="548640" y="182880"/>
+            <a:ext cx="10972800" cy="822960"/>
+          </a:xfrm>
+          <a:prstGeom prst="rect">
+            <a:avLst/>
+          </a:prstGeom>
+          <a:noFill/>
+        </p:spPr>
+        <p:txBody>
+          <a:bodyPr wrap="square">
+            <a:spAutoFit/>
+          </a:bodyPr>
+          <a:lstStyle/>
+          <a:p>
+            <a:pPr algn="l"/>
+            <a:r>
+              <a:rPr sz="3400" b="1">
+                <a:solidFill>
+                  <a:srgbClr val="FFFFFF"/>
+                </a:solidFill>
+                <a:latin typeface="맑은 고딕"/>
+              </a:rPr>
+              <a:t>[한국] 글로벌 시장에서의 위상</a:t>
+            </a:r>
+          </a:p>
+        </p:txBody>
+      </p:sp>
+      <p:sp>
+        <p:nvSpPr>
+          <p:cNvPr id="5" name="Rectangle 4"/>
+          <p:cNvSpPr/>
+          <p:nvPr/>
+        </p:nvSpPr>
+        <p:spPr>
+          <a:xfrm>
+            <a:off x="457200" y="6492240"/>
+            <a:ext cx="11277295" cy="18288"/>
+          </a:xfrm>
+          <a:prstGeom prst="rect">
+            <a:avLst/>
+          </a:prstGeom>
+          <a:solidFill>
+            <a:srgbClr val="1B3A5C"/>
+          </a:solidFill>
+          <a:ln>
+            <a:noFill/>
+          </a:ln>
+        </p:spPr>
+        <p:style>
+          <a:lnRef idx="1">
+            <a:schemeClr val="accent1"/>
+          </a:lnRef>
+          <a:fillRef idx="3">
+            <a:schemeClr val="accent1"/>
+          </a:fillRef>
+          <a:effectRef idx="2">
+            <a:schemeClr val="accent1"/>
+          </a:effectRef>
+          <a:fontRef idx="minor">
+            <a:schemeClr val="lt1"/>
+          </a:fontRef>
+        </p:style>
+        <p:txBody>
+          <a:bodyPr rtlCol="0" anchor="ctr"/>
+          <a:lstStyle/>
+          <a:p>
+            <a:pPr algn="ctr"/>
+          </a:p>
+        </p:txBody>
+      </p:sp>
+      <p:sp>
+        <p:nvSpPr>
+          <p:cNvPr id="6" name="TextBox 5"/>
+          <p:cNvSpPr txBox="1"/>
+          <p:nvPr/>
+        </p:nvSpPr>
+        <p:spPr>
+          <a:xfrm>
+            <a:off x="10972800" y="6400800"/>
+            <a:ext cx="1097280" cy="365760"/>
+          </a:xfrm>
+          <a:prstGeom prst="rect">
+            <a:avLst/>
+          </a:prstGeom>
+          <a:noFill/>
+        </p:spPr>
+        <p:txBody>
+          <a:bodyPr wrap="none">
+            <a:spAutoFit/>
+          </a:bodyPr>
+          <a:lstStyle/>
+          <a:p>
+            <a:pPr algn="r"/>
+            <a:r>
+              <a:rPr sz="1200" b="0">
+                <a:solidFill>
+                  <a:srgbClr val="666666"/>
+                </a:solidFill>
+                <a:latin typeface="맑은 고딕"/>
+              </a:rPr>
+              <a:t>24 / 25</a:t>
             </a:r>
           </a:p>
         </p:txBody>
@@ -13034,7 +16726,7 @@
 </p:sld>
 </file>
 
-<file path=ppt/slides/slide22.xml><?xml version="1.0" encoding="utf-8"?>
+<file path=ppt/slides/slide25.xml><?xml version="1.0" encoding="utf-8"?>
 <p:sld xmlns:a="http://schemas.openxmlformats.org/drawingml/2006/main" xmlns:p="http://schemas.openxmlformats.org/presentationml/2006/main" xmlns:r="http://schemas.openxmlformats.org/officeDocument/2006/relationships">
   <p:cSld>
     <p:bg>
@@ -13751,7 +17443,7 @@
                 </a:solidFill>
                 <a:latin typeface="맑은 고딕"/>
               </a:rPr>
-              <a:t>22 / 22</a:t>
+              <a:t>25 / 25</a:t>
             </a:r>
           </a:p>
         </p:txBody>
@@ -13976,7 +17668,7 @@
                 </a:solidFill>
                 <a:latin typeface="맑은 고딕"/>
               </a:rPr>
-              <a:t>3 / 22</a:t>
+              <a:t>3 / 25</a:t>
             </a:r>
           </a:p>
         </p:txBody>
@@ -14760,7 +18452,7 @@
                 </a:solidFill>
                 <a:latin typeface="맑은 고딕"/>
               </a:rPr>
-              <a:t>4 / 22</a:t>
+              <a:t>4 / 25</a:t>
             </a:r>
           </a:p>
         </p:txBody>
@@ -15496,7 +19188,7 @@
                 </a:solidFill>
                 <a:latin typeface="맑은 고딕"/>
               </a:rPr>
-              <a:t>5 / 22</a:t>
+              <a:t>5 / 25</a:t>
             </a:r>
           </a:p>
         </p:txBody>
@@ -15899,7 +19591,7 @@
                 </a:solidFill>
                 <a:latin typeface="맑은 고딕"/>
               </a:rPr>
-              <a:t>6 / 22</a:t>
+              <a:t>6 / 25</a:t>
             </a:r>
           </a:p>
         </p:txBody>
@@ -16577,7 +20269,7 @@
                 </a:solidFill>
                 <a:latin typeface="맑은 고딕"/>
               </a:rPr>
-              <a:t>7 / 22</a:t>
+              <a:t>7 / 25</a:t>
             </a:r>
           </a:p>
         </p:txBody>
@@ -17001,7 +20693,7 @@
                 </a:solidFill>
                 <a:latin typeface="맑은 고딕"/>
               </a:rPr>
-              <a:t>8 / 22</a:t>
+              <a:t>8 / 25</a:t>
             </a:r>
           </a:p>
         </p:txBody>
@@ -17828,7 +21520,7 @@
                 </a:solidFill>
                 <a:latin typeface="맑은 고딕"/>
               </a:rPr>
-              <a:t>9 / 22</a:t>
+              <a:t>9 / 25</a:t>
             </a:r>
           </a:p>
         </p:txBody>
